--- a/Chapter 2. Python for Data Scientists/Module 2. SQL/1. SQL Joins.pptx
+++ b/Chapter 2. Python for Data Scientists/Module 2. SQL/1. SQL Joins.pptx
@@ -19,6 +19,11 @@
     <p:sldId id="267" r:id="rId13"/>
     <p:sldId id="268" r:id="rId14"/>
     <p:sldId id="269" r:id="rId15"/>
+    <p:sldId id="270" r:id="rId16"/>
+    <p:sldId id="271" r:id="rId17"/>
+    <p:sldId id="272" r:id="rId18"/>
+    <p:sldId id="273" r:id="rId19"/>
+    <p:sldId id="274" r:id="rId20"/>
   </p:sldIdLst>
   <p:sldSz cx="12192000" cy="6858000"/>
   <p:notesSz cx="6858000" cy="9144000"/>
@@ -3735,7 +3740,7 @@
           <a:p>
             <a:r>
               <a:rPr lang="en-GB" dirty="0"/>
-              <a:t>Challenges</a:t>
+              <a:t>Challenges!</a:t>
             </a:r>
           </a:p>
         </p:txBody>
@@ -3948,7 +3953,7 @@
             </a:r>
             <a:r>
               <a:rPr lang="en-GB" dirty="0"/>
-              <a:t>, but let’s stick with it for now for clarity</a:t>
+              <a:t>, but it’s in this example for clarity</a:t>
             </a:r>
           </a:p>
           <a:p>
@@ -4408,13 +4413,86 @@
               <a:t>inner </a:t>
             </a:r>
             <a:r>
+              <a:rPr lang="en-GB" dirty="0">
+                <a:highlight>
+                  <a:srgbClr val="00FFFF"/>
+                </a:highlight>
+                <a:latin typeface="Courier New" panose="02070309020205020404" pitchFamily="49" charset="0"/>
+                <a:cs typeface="Courier New" panose="02070309020205020404" pitchFamily="49" charset="0"/>
+              </a:rPr>
+              <a:t>JOIN</a:t>
+            </a:r>
+            <a:r>
               <a:rPr lang="en-GB" dirty="0"/>
-              <a:t>JOINs. There are also LEFT JOINs, RIGHT JOINs, and FULL JOINs</a:t>
-            </a:r>
-          </a:p>
-          <a:p>
-            <a:pPr lvl="1"/>
-            <a:endParaRPr lang="en-GB" dirty="0"/>
+              <a:t>s. There are also </a:t>
+            </a:r>
+            <a:r>
+              <a:rPr lang="en-GB" dirty="0">
+                <a:highlight>
+                  <a:srgbClr val="00FFFF"/>
+                </a:highlight>
+                <a:latin typeface="Courier New" panose="02070309020205020404" pitchFamily="49" charset="0"/>
+                <a:cs typeface="Courier New" panose="02070309020205020404" pitchFamily="49" charset="0"/>
+              </a:rPr>
+              <a:t>LEFT JOIN</a:t>
+            </a:r>
+            <a:r>
+              <a:rPr lang="en-GB" dirty="0"/>
+              <a:t>s, </a:t>
+            </a:r>
+            <a:r>
+              <a:rPr lang="en-GB" dirty="0">
+                <a:highlight>
+                  <a:srgbClr val="00FFFF"/>
+                </a:highlight>
+                <a:latin typeface="Courier New" panose="02070309020205020404" pitchFamily="49" charset="0"/>
+                <a:cs typeface="Courier New" panose="02070309020205020404" pitchFamily="49" charset="0"/>
+              </a:rPr>
+              <a:t>RIGHT</a:t>
+            </a:r>
+            <a:r>
+              <a:rPr lang="en-GB" dirty="0">
+                <a:highlight>
+                  <a:srgbClr val="00FFFF"/>
+                </a:highlight>
+              </a:rPr>
+              <a:t> </a:t>
+            </a:r>
+            <a:r>
+              <a:rPr lang="en-GB" dirty="0">
+                <a:highlight>
+                  <a:srgbClr val="00FFFF"/>
+                </a:highlight>
+                <a:latin typeface="Courier New" panose="02070309020205020404" pitchFamily="49" charset="0"/>
+                <a:cs typeface="Courier New" panose="02070309020205020404" pitchFamily="49" charset="0"/>
+              </a:rPr>
+              <a:t>JOIN</a:t>
+            </a:r>
+            <a:r>
+              <a:rPr lang="en-GB" dirty="0">
+                <a:latin typeface="Courier New" panose="02070309020205020404" pitchFamily="49" charset="0"/>
+                <a:cs typeface="Courier New" panose="02070309020205020404" pitchFamily="49" charset="0"/>
+              </a:rPr>
+              <a:t>s</a:t>
+            </a:r>
+            <a:r>
+              <a:rPr lang="en-GB" dirty="0"/>
+              <a:t>, and </a:t>
+            </a:r>
+            <a:r>
+              <a:rPr lang="en-GB" dirty="0">
+                <a:highlight>
+                  <a:srgbClr val="00FFFF"/>
+                </a:highlight>
+                <a:latin typeface="Courier New" panose="02070309020205020404" pitchFamily="49" charset="0"/>
+                <a:cs typeface="Courier New" panose="02070309020205020404" pitchFamily="49" charset="0"/>
+              </a:rPr>
+              <a:t>FULL JOIN</a:t>
+            </a:r>
+            <a:r>
+              <a:rPr lang="en-GB" dirty="0"/>
+              <a:t>s</a:t>
+            </a:r>
           </a:p>
         </p:txBody>
       </p:sp>
@@ -4560,10 +4638,138 @@
         </p:nvSpPr>
         <p:spPr/>
         <p:txBody>
-          <a:bodyPr/>
+          <a:bodyPr>
+            <a:normAutofit lnSpcReduction="10000"/>
+          </a:bodyPr>
           <a:lstStyle/>
           <a:p>
-            <a:endParaRPr lang="en-GB" dirty="0"/>
+            <a:r>
+              <a:rPr lang="en-GB" dirty="0"/>
+              <a:t>We now have a concept of a </a:t>
+            </a:r>
+            <a:r>
+              <a:rPr lang="en-GB" b="1" dirty="0"/>
+              <a:t>left table </a:t>
+            </a:r>
+            <a:r>
+              <a:rPr lang="en-GB" dirty="0"/>
+              <a:t>and </a:t>
+            </a:r>
+            <a:r>
+              <a:rPr lang="en-GB" b="1" dirty="0"/>
+              <a:t>right table</a:t>
+            </a:r>
+          </a:p>
+          <a:p>
+            <a:pPr lvl="1"/>
+            <a:r>
+              <a:rPr lang="en-GB" dirty="0"/>
+              <a:t>Left table is the table immediately following </a:t>
+            </a:r>
+            <a:r>
+              <a:rPr lang="en-GB" dirty="0">
+                <a:highlight>
+                  <a:srgbClr val="00FFFF"/>
+                </a:highlight>
+              </a:rPr>
+              <a:t>FROM</a:t>
+            </a:r>
+          </a:p>
+          <a:p>
+            <a:pPr lvl="1"/>
+            <a:r>
+              <a:rPr lang="en-GB" dirty="0"/>
+              <a:t>Right table is the table immediately following </a:t>
+            </a:r>
+            <a:r>
+              <a:rPr lang="en-GB" dirty="0">
+                <a:highlight>
+                  <a:srgbClr val="00FFFF"/>
+                </a:highlight>
+              </a:rPr>
+              <a:t>LEFT JOIN</a:t>
+            </a:r>
+          </a:p>
+          <a:p>
+            <a:r>
+              <a:rPr lang="en-GB" dirty="0"/>
+              <a:t>A </a:t>
+            </a:r>
+            <a:r>
+              <a:rPr lang="en-GB" dirty="0">
+                <a:highlight>
+                  <a:srgbClr val="00FFFF"/>
+                </a:highlight>
+                <a:latin typeface="Courier New" panose="02070309020205020404" pitchFamily="49" charset="0"/>
+                <a:cs typeface="Courier New" panose="02070309020205020404" pitchFamily="49" charset="0"/>
+              </a:rPr>
+              <a:t>LEFT JOIN</a:t>
+            </a:r>
+            <a:r>
+              <a:rPr lang="en-GB" dirty="0"/>
+              <a:t> selects all from the left table, and matches every row in this table to the row in the right table (based on the </a:t>
+            </a:r>
+            <a:r>
+              <a:rPr lang="en-GB" dirty="0">
+                <a:highlight>
+                  <a:srgbClr val="00FFFF"/>
+                </a:highlight>
+                <a:latin typeface="Courier New" panose="02070309020205020404" pitchFamily="49" charset="0"/>
+                <a:cs typeface="Courier New" panose="02070309020205020404" pitchFamily="49" charset="0"/>
+              </a:rPr>
+              <a:t>ON</a:t>
+            </a:r>
+            <a:r>
+              <a:rPr lang="en-GB" dirty="0"/>
+              <a:t> condition)</a:t>
+            </a:r>
+          </a:p>
+          <a:p>
+            <a:r>
+              <a:rPr lang="en-GB" dirty="0"/>
+              <a:t>When the join condition is true, columns from both tables are combined and added to the table to be returned</a:t>
+            </a:r>
+          </a:p>
+          <a:p>
+            <a:pPr lvl="1"/>
+            <a:r>
+              <a:rPr lang="en-GB" dirty="0"/>
+              <a:t>This part is an </a:t>
+            </a:r>
+            <a:r>
+              <a:rPr lang="en-GB" dirty="0">
+                <a:highlight>
+                  <a:srgbClr val="00FFFF"/>
+                </a:highlight>
+                <a:latin typeface="Courier New" panose="02070309020205020404" pitchFamily="49" charset="0"/>
+                <a:cs typeface="Courier New" panose="02070309020205020404" pitchFamily="49" charset="0"/>
+              </a:rPr>
+              <a:t>INNER JOIN</a:t>
+            </a:r>
+          </a:p>
+          <a:p>
+            <a:r>
+              <a:rPr lang="en-GB" dirty="0"/>
+              <a:t>If/when the join condition is false, a new row is still added to the returned table – however, values are </a:t>
+            </a:r>
+            <a:r>
+              <a:rPr lang="en-GB" dirty="0" err="1">
+                <a:highlight>
+                  <a:srgbClr val="00FFFF"/>
+                </a:highlight>
+                <a:latin typeface="Courier New" panose="02070309020205020404" pitchFamily="49" charset="0"/>
+                <a:cs typeface="Courier New" panose="02070309020205020404" pitchFamily="49" charset="0"/>
+              </a:rPr>
+              <a:t>NULL</a:t>
+            </a:r>
+            <a:r>
+              <a:rPr lang="en-GB" dirty="0" err="1"/>
+              <a:t>ed</a:t>
+            </a:r>
+            <a:r>
+              <a:rPr lang="en-GB" dirty="0"/>
+              <a:t> for the columns of the right table</a:t>
+            </a:r>
           </a:p>
         </p:txBody>
       </p:sp>
@@ -4571,6 +4777,2439 @@
     <p:extLst>
       <p:ext uri="{BB962C8B-B14F-4D97-AF65-F5344CB8AC3E}">
         <p14:creationId xmlns:p14="http://schemas.microsoft.com/office/powerpoint/2010/main" val="3392051320"/>
+      </p:ext>
+    </p:extLst>
+  </p:cSld>
+  <p:clrMapOvr>
+    <a:masterClrMapping/>
+  </p:clrMapOvr>
+</p:sld>
+</file>
+
+<file path=ppt/slides/slide15.xml><?xml version="1.0" encoding="utf-8"?>
+<p:sld xmlns:a="http://schemas.openxmlformats.org/drawingml/2006/main" xmlns:r="http://schemas.openxmlformats.org/officeDocument/2006/relationships" xmlns:p="http://schemas.openxmlformats.org/presentationml/2006/main">
+  <p:cSld>
+    <p:spTree>
+      <p:nvGrpSpPr>
+        <p:cNvPr id="1" name=""/>
+        <p:cNvGrpSpPr/>
+        <p:nvPr/>
+      </p:nvGrpSpPr>
+      <p:grpSpPr>
+        <a:xfrm>
+          <a:off x="0" y="0"/>
+          <a:ext cx="0" cy="0"/>
+          <a:chOff x="0" y="0"/>
+          <a:chExt cx="0" cy="0"/>
+        </a:xfrm>
+      </p:grpSpPr>
+      <p:sp>
+        <p:nvSpPr>
+          <p:cNvPr id="2" name="Title 1">
+            <a:extLst>
+              <a:ext uri="{FF2B5EF4-FFF2-40B4-BE49-F238E27FC236}">
+                <a16:creationId xmlns:a16="http://schemas.microsoft.com/office/drawing/2014/main" id="{B422B27C-43DF-4D99-AFEE-AB2D6C338ED5}"/>
+              </a:ext>
+            </a:extLst>
+          </p:cNvPr>
+          <p:cNvSpPr>
+            <a:spLocks noGrp="1"/>
+          </p:cNvSpPr>
+          <p:nvPr>
+            <p:ph type="title"/>
+          </p:nvPr>
+        </p:nvSpPr>
+        <p:spPr/>
+        <p:txBody>
+          <a:bodyPr/>
+          <a:lstStyle/>
+          <a:p>
+            <a:endParaRPr lang="en-GB" dirty="0"/>
+          </a:p>
+        </p:txBody>
+      </p:sp>
+      <p:sp>
+        <p:nvSpPr>
+          <p:cNvPr id="3" name="Content Placeholder 2">
+            <a:extLst>
+              <a:ext uri="{FF2B5EF4-FFF2-40B4-BE49-F238E27FC236}">
+                <a16:creationId xmlns:a16="http://schemas.microsoft.com/office/drawing/2014/main" id="{3CC72D04-A2B1-4729-98B3-0F78C1754F80}"/>
+              </a:ext>
+            </a:extLst>
+          </p:cNvPr>
+          <p:cNvSpPr>
+            <a:spLocks noGrp="1"/>
+          </p:cNvSpPr>
+          <p:nvPr>
+            <p:ph idx="1"/>
+          </p:nvPr>
+        </p:nvSpPr>
+        <p:spPr/>
+        <p:txBody>
+          <a:bodyPr/>
+          <a:lstStyle/>
+          <a:p>
+            <a:pPr marL="0" indent="0">
+              <a:buNone/>
+            </a:pPr>
+            <a:r>
+              <a:rPr lang="en-GB" dirty="0">
+                <a:highlight>
+                  <a:srgbClr val="00FFFF"/>
+                </a:highlight>
+                <a:latin typeface="Courier New" panose="02070309020205020404" pitchFamily="49" charset="0"/>
+                <a:cs typeface="Courier New" panose="02070309020205020404" pitchFamily="49" charset="0"/>
+              </a:rPr>
+              <a:t>SELECT *</a:t>
+            </a:r>
+          </a:p>
+          <a:p>
+            <a:pPr marL="0" indent="0">
+              <a:buNone/>
+            </a:pPr>
+            <a:r>
+              <a:rPr lang="en-GB" dirty="0">
+                <a:highlight>
+                  <a:srgbClr val="00FFFF"/>
+                </a:highlight>
+                <a:latin typeface="Courier New" panose="02070309020205020404" pitchFamily="49" charset="0"/>
+                <a:cs typeface="Courier New" panose="02070309020205020404" pitchFamily="49" charset="0"/>
+              </a:rPr>
+              <a:t>FROM address a</a:t>
+            </a:r>
+          </a:p>
+          <a:p>
+            <a:pPr marL="0" indent="0">
+              <a:buNone/>
+            </a:pPr>
+            <a:r>
+              <a:rPr lang="en-GB" dirty="0">
+                <a:highlight>
+                  <a:srgbClr val="00FFFF"/>
+                </a:highlight>
+                <a:latin typeface="Courier New" panose="02070309020205020404" pitchFamily="49" charset="0"/>
+                <a:cs typeface="Courier New" panose="02070309020205020404" pitchFamily="49" charset="0"/>
+              </a:rPr>
+              <a:t>LEFT JOIN customer c</a:t>
+            </a:r>
+          </a:p>
+          <a:p>
+            <a:pPr marL="0" indent="0">
+              <a:buNone/>
+            </a:pPr>
+            <a:r>
+              <a:rPr lang="en-GB" dirty="0">
+                <a:highlight>
+                  <a:srgbClr val="00FFFF"/>
+                </a:highlight>
+                <a:latin typeface="Courier New" panose="02070309020205020404" pitchFamily="49" charset="0"/>
+                <a:cs typeface="Courier New" panose="02070309020205020404" pitchFamily="49" charset="0"/>
+              </a:rPr>
+              <a:t>ON </a:t>
+            </a:r>
+            <a:r>
+              <a:rPr lang="en-GB" dirty="0" err="1">
+                <a:highlight>
+                  <a:srgbClr val="00FFFF"/>
+                </a:highlight>
+                <a:latin typeface="Courier New" panose="02070309020205020404" pitchFamily="49" charset="0"/>
+                <a:cs typeface="Courier New" panose="02070309020205020404" pitchFamily="49" charset="0"/>
+              </a:rPr>
+              <a:t>a.address_id</a:t>
+            </a:r>
+            <a:r>
+              <a:rPr lang="en-GB" dirty="0">
+                <a:highlight>
+                  <a:srgbClr val="00FFFF"/>
+                </a:highlight>
+                <a:latin typeface="Courier New" panose="02070309020205020404" pitchFamily="49" charset="0"/>
+                <a:cs typeface="Courier New" panose="02070309020205020404" pitchFamily="49" charset="0"/>
+              </a:rPr>
+              <a:t> = </a:t>
+            </a:r>
+            <a:r>
+              <a:rPr lang="en-GB" dirty="0" err="1">
+                <a:highlight>
+                  <a:srgbClr val="00FFFF"/>
+                </a:highlight>
+                <a:latin typeface="Courier New" panose="02070309020205020404" pitchFamily="49" charset="0"/>
+                <a:cs typeface="Courier New" panose="02070309020205020404" pitchFamily="49" charset="0"/>
+              </a:rPr>
+              <a:t>c.address_id</a:t>
+            </a:r>
+            <a:endParaRPr lang="en-GB" dirty="0">
+              <a:highlight>
+                <a:srgbClr val="00FFFF"/>
+              </a:highlight>
+              <a:latin typeface="Courier New" panose="02070309020205020404" pitchFamily="49" charset="0"/>
+              <a:cs typeface="Courier New" panose="02070309020205020404" pitchFamily="49" charset="0"/>
+            </a:endParaRPr>
+          </a:p>
+          <a:p>
+            <a:pPr marL="0" indent="0">
+              <a:buNone/>
+            </a:pPr>
+            <a:r>
+              <a:rPr lang="en-GB" dirty="0">
+                <a:highlight>
+                  <a:srgbClr val="00FFFF"/>
+                </a:highlight>
+                <a:latin typeface="Courier New" panose="02070309020205020404" pitchFamily="49" charset="0"/>
+                <a:cs typeface="Courier New" panose="02070309020205020404" pitchFamily="49" charset="0"/>
+              </a:rPr>
+              <a:t>WHERE </a:t>
+            </a:r>
+            <a:r>
+              <a:rPr lang="en-GB" dirty="0" err="1">
+                <a:highlight>
+                  <a:srgbClr val="00FFFF"/>
+                </a:highlight>
+                <a:latin typeface="Courier New" panose="02070309020205020404" pitchFamily="49" charset="0"/>
+                <a:cs typeface="Courier New" panose="02070309020205020404" pitchFamily="49" charset="0"/>
+              </a:rPr>
+              <a:t>c.customer_id</a:t>
+            </a:r>
+            <a:r>
+              <a:rPr lang="en-GB" dirty="0">
+                <a:highlight>
+                  <a:srgbClr val="00FFFF"/>
+                </a:highlight>
+                <a:latin typeface="Courier New" panose="02070309020205020404" pitchFamily="49" charset="0"/>
+                <a:cs typeface="Courier New" panose="02070309020205020404" pitchFamily="49" charset="0"/>
+              </a:rPr>
+              <a:t> is NULL</a:t>
+            </a:r>
+          </a:p>
+          <a:p>
+            <a:endParaRPr lang="en-GB" dirty="0">
+              <a:highlight>
+                <a:srgbClr val="00FFFF"/>
+              </a:highlight>
+              <a:cs typeface="Courier New" panose="02070309020205020404" pitchFamily="49" charset="0"/>
+            </a:endParaRPr>
+          </a:p>
+          <a:p>
+            <a:r>
+              <a:rPr lang="en-GB" dirty="0">
+                <a:cs typeface="Courier New" panose="02070309020205020404" pitchFamily="49" charset="0"/>
+              </a:rPr>
+              <a:t>This </a:t>
+            </a:r>
+            <a:r>
+              <a:rPr lang="en-GB" dirty="0">
+                <a:highlight>
+                  <a:srgbClr val="00FFFF"/>
+                </a:highlight>
+                <a:latin typeface="Courier New" panose="02070309020205020404" pitchFamily="49" charset="0"/>
+                <a:cs typeface="Courier New" panose="02070309020205020404" pitchFamily="49" charset="0"/>
+              </a:rPr>
+              <a:t>LEFT JOIN</a:t>
+            </a:r>
+            <a:r>
+              <a:rPr lang="en-GB" dirty="0">
+                <a:cs typeface="Courier New" panose="02070309020205020404" pitchFamily="49" charset="0"/>
+              </a:rPr>
+              <a:t> returns all addresses including those which don’t have a customer associated with them. If an address has no customer associated, the returned columns from customer are </a:t>
+            </a:r>
+            <a:r>
+              <a:rPr lang="en-GB" dirty="0">
+                <a:highlight>
+                  <a:srgbClr val="00FFFF"/>
+                </a:highlight>
+                <a:latin typeface="Courier New" panose="02070309020205020404" pitchFamily="49" charset="0"/>
+                <a:cs typeface="Courier New" panose="02070309020205020404" pitchFamily="49" charset="0"/>
+              </a:rPr>
+              <a:t>NULL</a:t>
+            </a:r>
+          </a:p>
+        </p:txBody>
+      </p:sp>
+      <p:sp>
+        <p:nvSpPr>
+          <p:cNvPr id="4" name="TextBox 3">
+            <a:extLst>
+              <a:ext uri="{FF2B5EF4-FFF2-40B4-BE49-F238E27FC236}">
+                <a16:creationId xmlns:a16="http://schemas.microsoft.com/office/drawing/2014/main" id="{03343EF7-B480-43F5-96FD-CB38B1B97399}"/>
+              </a:ext>
+            </a:extLst>
+          </p:cNvPr>
+          <p:cNvSpPr txBox="1"/>
+          <p:nvPr/>
+        </p:nvSpPr>
+        <p:spPr>
+          <a:xfrm>
+            <a:off x="5137079" y="1936679"/>
+            <a:ext cx="1818525" cy="369332"/>
+          </a:xfrm>
+          <a:prstGeom prst="rect">
+            <a:avLst/>
+          </a:prstGeom>
+          <a:noFill/>
+        </p:spPr>
+        <p:txBody>
+          <a:bodyPr wrap="square" rtlCol="0">
+            <a:spAutoFit/>
+          </a:bodyPr>
+          <a:lstStyle/>
+          <a:p>
+            <a:r>
+              <a:rPr lang="en-GB" dirty="0"/>
+              <a:t>Left table</a:t>
+            </a:r>
+          </a:p>
+        </p:txBody>
+      </p:sp>
+      <p:cxnSp>
+        <p:nvCxnSpPr>
+          <p:cNvPr id="6" name="Straight Arrow Connector 5">
+            <a:extLst>
+              <a:ext uri="{FF2B5EF4-FFF2-40B4-BE49-F238E27FC236}">
+                <a16:creationId xmlns:a16="http://schemas.microsoft.com/office/drawing/2014/main" id="{832A7AFD-05CA-4846-B98C-48D791579835}"/>
+              </a:ext>
+            </a:extLst>
+          </p:cNvPr>
+          <p:cNvCxnSpPr>
+            <a:cxnSpLocks/>
+            <a:endCxn id="4" idx="1"/>
+          </p:cNvCxnSpPr>
+          <p:nvPr/>
+        </p:nvCxnSpPr>
+        <p:spPr>
+          <a:xfrm flipV="1">
+            <a:off x="4022333" y="2121345"/>
+            <a:ext cx="1114746" cy="426646"/>
+          </a:xfrm>
+          <a:prstGeom prst="straightConnector1">
+            <a:avLst/>
+          </a:prstGeom>
+          <a:ln>
+            <a:tailEnd type="triangle"/>
+          </a:ln>
+        </p:spPr>
+        <p:style>
+          <a:lnRef idx="1">
+            <a:schemeClr val="dk1"/>
+          </a:lnRef>
+          <a:fillRef idx="0">
+            <a:schemeClr val="dk1"/>
+          </a:fillRef>
+          <a:effectRef idx="0">
+            <a:schemeClr val="dk1"/>
+          </a:effectRef>
+          <a:fontRef idx="minor">
+            <a:schemeClr val="tx1"/>
+          </a:fontRef>
+        </p:style>
+      </p:cxnSp>
+      <p:sp>
+        <p:nvSpPr>
+          <p:cNvPr id="8" name="TextBox 7">
+            <a:extLst>
+              <a:ext uri="{FF2B5EF4-FFF2-40B4-BE49-F238E27FC236}">
+                <a16:creationId xmlns:a16="http://schemas.microsoft.com/office/drawing/2014/main" id="{BA9F5A8F-8E90-479F-8FBF-FFF2656F8D06}"/>
+              </a:ext>
+            </a:extLst>
+          </p:cNvPr>
+          <p:cNvSpPr txBox="1"/>
+          <p:nvPr/>
+        </p:nvSpPr>
+        <p:spPr>
+          <a:xfrm>
+            <a:off x="6349430" y="2471233"/>
+            <a:ext cx="1818525" cy="369332"/>
+          </a:xfrm>
+          <a:prstGeom prst="rect">
+            <a:avLst/>
+          </a:prstGeom>
+          <a:noFill/>
+        </p:spPr>
+        <p:txBody>
+          <a:bodyPr wrap="square" rtlCol="0">
+            <a:spAutoFit/>
+          </a:bodyPr>
+          <a:lstStyle/>
+          <a:p>
+            <a:r>
+              <a:rPr lang="en-GB" dirty="0"/>
+              <a:t>Right table</a:t>
+            </a:r>
+          </a:p>
+        </p:txBody>
+      </p:sp>
+      <p:cxnSp>
+        <p:nvCxnSpPr>
+          <p:cNvPr id="9" name="Straight Arrow Connector 8">
+            <a:extLst>
+              <a:ext uri="{FF2B5EF4-FFF2-40B4-BE49-F238E27FC236}">
+                <a16:creationId xmlns:a16="http://schemas.microsoft.com/office/drawing/2014/main" id="{6D4CE5D3-FFD3-4109-8DD4-9195B1EC54DA}"/>
+              </a:ext>
+            </a:extLst>
+          </p:cNvPr>
+          <p:cNvCxnSpPr>
+            <a:cxnSpLocks/>
+            <a:endCxn id="8" idx="1"/>
+          </p:cNvCxnSpPr>
+          <p:nvPr/>
+        </p:nvCxnSpPr>
+        <p:spPr>
+          <a:xfrm flipV="1">
+            <a:off x="5234684" y="2655899"/>
+            <a:ext cx="1114746" cy="426646"/>
+          </a:xfrm>
+          <a:prstGeom prst="straightConnector1">
+            <a:avLst/>
+          </a:prstGeom>
+          <a:ln>
+            <a:tailEnd type="triangle"/>
+          </a:ln>
+        </p:spPr>
+        <p:style>
+          <a:lnRef idx="1">
+            <a:schemeClr val="dk1"/>
+          </a:lnRef>
+          <a:fillRef idx="0">
+            <a:schemeClr val="dk1"/>
+          </a:fillRef>
+          <a:effectRef idx="0">
+            <a:schemeClr val="dk1"/>
+          </a:effectRef>
+          <a:fontRef idx="minor">
+            <a:schemeClr val="tx1"/>
+          </a:fontRef>
+        </p:style>
+      </p:cxnSp>
+      <p:sp>
+        <p:nvSpPr>
+          <p:cNvPr id="13" name="TextBox 12">
+            <a:extLst>
+              <a:ext uri="{FF2B5EF4-FFF2-40B4-BE49-F238E27FC236}">
+                <a16:creationId xmlns:a16="http://schemas.microsoft.com/office/drawing/2014/main" id="{21E2A012-3E2C-4502-A68D-AA3D3D801D79}"/>
+              </a:ext>
+            </a:extLst>
+          </p:cNvPr>
+          <p:cNvSpPr txBox="1"/>
+          <p:nvPr/>
+        </p:nvSpPr>
+        <p:spPr>
+          <a:xfrm>
+            <a:off x="8486455" y="2975502"/>
+            <a:ext cx="1818525" cy="369332"/>
+          </a:xfrm>
+          <a:prstGeom prst="rect">
+            <a:avLst/>
+          </a:prstGeom>
+          <a:noFill/>
+        </p:spPr>
+        <p:txBody>
+          <a:bodyPr wrap="square" rtlCol="0">
+            <a:spAutoFit/>
+          </a:bodyPr>
+          <a:lstStyle/>
+          <a:p>
+            <a:r>
+              <a:rPr lang="en-GB" dirty="0"/>
+              <a:t>Join condition</a:t>
+            </a:r>
+          </a:p>
+        </p:txBody>
+      </p:sp>
+      <p:cxnSp>
+        <p:nvCxnSpPr>
+          <p:cNvPr id="14" name="Straight Arrow Connector 13">
+            <a:extLst>
+              <a:ext uri="{FF2B5EF4-FFF2-40B4-BE49-F238E27FC236}">
+                <a16:creationId xmlns:a16="http://schemas.microsoft.com/office/drawing/2014/main" id="{54D3291C-C1B2-4418-A3D1-DDD603E173FB}"/>
+              </a:ext>
+            </a:extLst>
+          </p:cNvPr>
+          <p:cNvCxnSpPr>
+            <a:cxnSpLocks/>
+            <a:endCxn id="13" idx="1"/>
+          </p:cNvCxnSpPr>
+          <p:nvPr/>
+        </p:nvCxnSpPr>
+        <p:spPr>
+          <a:xfrm flipV="1">
+            <a:off x="7371709" y="3160168"/>
+            <a:ext cx="1114746" cy="426646"/>
+          </a:xfrm>
+          <a:prstGeom prst="straightConnector1">
+            <a:avLst/>
+          </a:prstGeom>
+          <a:ln>
+            <a:tailEnd type="triangle"/>
+          </a:ln>
+        </p:spPr>
+        <p:style>
+          <a:lnRef idx="1">
+            <a:schemeClr val="dk1"/>
+          </a:lnRef>
+          <a:fillRef idx="0">
+            <a:schemeClr val="dk1"/>
+          </a:fillRef>
+          <a:effectRef idx="0">
+            <a:schemeClr val="dk1"/>
+          </a:effectRef>
+          <a:fontRef idx="minor">
+            <a:schemeClr val="tx1"/>
+          </a:fontRef>
+        </p:style>
+      </p:cxnSp>
+    </p:spTree>
+    <p:extLst>
+      <p:ext uri="{BB962C8B-B14F-4D97-AF65-F5344CB8AC3E}">
+        <p14:creationId xmlns:p14="http://schemas.microsoft.com/office/powerpoint/2010/main" val="235028841"/>
+      </p:ext>
+    </p:extLst>
+  </p:cSld>
+  <p:clrMapOvr>
+    <a:masterClrMapping/>
+  </p:clrMapOvr>
+</p:sld>
+</file>
+
+<file path=ppt/slides/slide16.xml><?xml version="1.0" encoding="utf-8"?>
+<p:sld xmlns:a="http://schemas.openxmlformats.org/drawingml/2006/main" xmlns:r="http://schemas.openxmlformats.org/officeDocument/2006/relationships" xmlns:p="http://schemas.openxmlformats.org/presentationml/2006/main">
+  <p:cSld>
+    <p:spTree>
+      <p:nvGrpSpPr>
+        <p:cNvPr id="1" name=""/>
+        <p:cNvGrpSpPr/>
+        <p:nvPr/>
+      </p:nvGrpSpPr>
+      <p:grpSpPr>
+        <a:xfrm>
+          <a:off x="0" y="0"/>
+          <a:ext cx="0" cy="0"/>
+          <a:chOff x="0" y="0"/>
+          <a:chExt cx="0" cy="0"/>
+        </a:xfrm>
+      </p:grpSpPr>
+      <p:sp>
+        <p:nvSpPr>
+          <p:cNvPr id="2" name="Title 1">
+            <a:extLst>
+              <a:ext uri="{FF2B5EF4-FFF2-40B4-BE49-F238E27FC236}">
+                <a16:creationId xmlns:a16="http://schemas.microsoft.com/office/drawing/2014/main" id="{2B853308-144F-4E00-89A7-DEE42733FC1D}"/>
+              </a:ext>
+            </a:extLst>
+          </p:cNvPr>
+          <p:cNvSpPr>
+            <a:spLocks noGrp="1"/>
+          </p:cNvSpPr>
+          <p:nvPr>
+            <p:ph type="title"/>
+          </p:nvPr>
+        </p:nvSpPr>
+        <p:spPr/>
+        <p:txBody>
+          <a:bodyPr/>
+          <a:lstStyle/>
+          <a:p>
+            <a:r>
+              <a:rPr lang="en-GB" dirty="0"/>
+              <a:t>RIGHT JOINs?</a:t>
+            </a:r>
+          </a:p>
+        </p:txBody>
+      </p:sp>
+      <p:sp>
+        <p:nvSpPr>
+          <p:cNvPr id="3" name="Content Placeholder 2">
+            <a:extLst>
+              <a:ext uri="{FF2B5EF4-FFF2-40B4-BE49-F238E27FC236}">
+                <a16:creationId xmlns:a16="http://schemas.microsoft.com/office/drawing/2014/main" id="{D9B71323-75C3-481B-A54D-7991984827F7}"/>
+              </a:ext>
+            </a:extLst>
+          </p:cNvPr>
+          <p:cNvSpPr>
+            <a:spLocks noGrp="1"/>
+          </p:cNvSpPr>
+          <p:nvPr>
+            <p:ph idx="1"/>
+          </p:nvPr>
+        </p:nvSpPr>
+        <p:spPr/>
+        <p:txBody>
+          <a:bodyPr/>
+          <a:lstStyle/>
+          <a:p>
+            <a:r>
+              <a:rPr lang="en-GB" dirty="0">
+                <a:highlight>
+                  <a:srgbClr val="00FFFF"/>
+                </a:highlight>
+                <a:latin typeface="Courier New" panose="02070309020205020404" pitchFamily="49" charset="0"/>
+                <a:cs typeface="Courier New" panose="02070309020205020404" pitchFamily="49" charset="0"/>
+              </a:rPr>
+              <a:t>RIGHT JOIN</a:t>
+            </a:r>
+            <a:r>
+              <a:rPr lang="en-GB" dirty="0"/>
+              <a:t>s act similarly to </a:t>
+            </a:r>
+            <a:r>
+              <a:rPr lang="en-GB" dirty="0">
+                <a:highlight>
+                  <a:srgbClr val="00FFFF"/>
+                </a:highlight>
+                <a:latin typeface="Courier New" panose="02070309020205020404" pitchFamily="49" charset="0"/>
+                <a:cs typeface="Courier New" panose="02070309020205020404" pitchFamily="49" charset="0"/>
+              </a:rPr>
+              <a:t>LEFT JOIN</a:t>
+            </a:r>
+            <a:r>
+              <a:rPr lang="en-GB" dirty="0"/>
+              <a:t>s, but now the returned table will have all the rows from the right table (and the relevant values </a:t>
+            </a:r>
+            <a:r>
+              <a:rPr lang="en-GB" dirty="0" err="1">
+                <a:highlight>
+                  <a:srgbClr val="00FFFF"/>
+                </a:highlight>
+                <a:latin typeface="Courier New" panose="02070309020205020404" pitchFamily="49" charset="0"/>
+                <a:cs typeface="Courier New" panose="02070309020205020404" pitchFamily="49" charset="0"/>
+              </a:rPr>
+              <a:t>NULL</a:t>
+            </a:r>
+            <a:r>
+              <a:rPr lang="en-GB" dirty="0" err="1"/>
+              <a:t>ed</a:t>
+            </a:r>
+            <a:r>
+              <a:rPr lang="en-GB" dirty="0"/>
+              <a:t> in the return table)</a:t>
+            </a:r>
+          </a:p>
+          <a:p>
+            <a:r>
+              <a:rPr lang="en-GB" dirty="0">
+                <a:highlight>
+                  <a:srgbClr val="00FFFF"/>
+                </a:highlight>
+                <a:latin typeface="Courier New" panose="02070309020205020404" pitchFamily="49" charset="0"/>
+                <a:cs typeface="Courier New" panose="02070309020205020404" pitchFamily="49" charset="0"/>
+              </a:rPr>
+              <a:t>RIGHT JOIN</a:t>
+            </a:r>
+            <a:r>
+              <a:rPr lang="en-GB" dirty="0"/>
+              <a:t>s can be written as </a:t>
+            </a:r>
+            <a:r>
+              <a:rPr lang="en-GB" dirty="0">
+                <a:highlight>
+                  <a:srgbClr val="00FFFF"/>
+                </a:highlight>
+                <a:latin typeface="Courier New" panose="02070309020205020404" pitchFamily="49" charset="0"/>
+                <a:cs typeface="Courier New" panose="02070309020205020404" pitchFamily="49" charset="0"/>
+              </a:rPr>
+              <a:t>LEFT JOIN</a:t>
+            </a:r>
+            <a:r>
+              <a:rPr lang="en-GB" dirty="0"/>
+              <a:t>s</a:t>
+            </a:r>
+          </a:p>
+          <a:p>
+            <a:pPr lvl="1"/>
+            <a:r>
+              <a:rPr lang="en-GB" dirty="0"/>
+              <a:t>Just need to switch the tables that are in the </a:t>
+            </a:r>
+            <a:r>
+              <a:rPr lang="en-GB" dirty="0">
+                <a:highlight>
+                  <a:srgbClr val="00FFFF"/>
+                </a:highlight>
+                <a:latin typeface="Courier New" panose="02070309020205020404" pitchFamily="49" charset="0"/>
+                <a:cs typeface="Courier New" panose="02070309020205020404" pitchFamily="49" charset="0"/>
+              </a:rPr>
+              <a:t>FROM</a:t>
+            </a:r>
+            <a:r>
+              <a:rPr lang="en-GB" dirty="0"/>
+              <a:t> and </a:t>
+            </a:r>
+            <a:r>
+              <a:rPr lang="en-GB" dirty="0">
+                <a:highlight>
+                  <a:srgbClr val="00FFFF"/>
+                </a:highlight>
+                <a:latin typeface="Courier New" panose="02070309020205020404" pitchFamily="49" charset="0"/>
+                <a:cs typeface="Courier New" panose="02070309020205020404" pitchFamily="49" charset="0"/>
+              </a:rPr>
+              <a:t>JOIN</a:t>
+            </a:r>
+            <a:r>
+              <a:rPr lang="en-GB" dirty="0"/>
+              <a:t> statements</a:t>
+            </a:r>
+          </a:p>
+          <a:p>
+            <a:pPr lvl="1"/>
+            <a:r>
+              <a:rPr lang="en-GB" dirty="0"/>
+              <a:t>Convention is to use </a:t>
+            </a:r>
+            <a:r>
+              <a:rPr lang="en-GB" dirty="0">
+                <a:highlight>
+                  <a:srgbClr val="00FFFF"/>
+                </a:highlight>
+                <a:latin typeface="Courier New" panose="02070309020205020404" pitchFamily="49" charset="0"/>
+                <a:cs typeface="Courier New" panose="02070309020205020404" pitchFamily="49" charset="0"/>
+              </a:rPr>
+              <a:t>LEFT JOIN</a:t>
+            </a:r>
+            <a:r>
+              <a:rPr lang="en-GB" dirty="0"/>
+              <a:t>s… let’s stick with it</a:t>
+            </a:r>
+          </a:p>
+          <a:p>
+            <a:pPr lvl="1"/>
+            <a:endParaRPr lang="en-GB" dirty="0"/>
+          </a:p>
+          <a:p>
+            <a:pPr lvl="1"/>
+            <a:endParaRPr lang="en-GB" dirty="0"/>
+          </a:p>
+          <a:p>
+            <a:r>
+              <a:rPr lang="en-GB" dirty="0"/>
+              <a:t>Notice that </a:t>
+            </a:r>
+            <a:r>
+              <a:rPr lang="en-GB" dirty="0">
+                <a:highlight>
+                  <a:srgbClr val="00FFFF"/>
+                </a:highlight>
+                <a:latin typeface="Courier New" panose="02070309020205020404" pitchFamily="49" charset="0"/>
+                <a:cs typeface="Courier New" panose="02070309020205020404" pitchFamily="49" charset="0"/>
+              </a:rPr>
+              <a:t>LEFT</a:t>
+            </a:r>
+            <a:r>
+              <a:rPr lang="en-GB" dirty="0"/>
+              <a:t> and </a:t>
+            </a:r>
+            <a:r>
+              <a:rPr lang="en-GB" dirty="0">
+                <a:highlight>
+                  <a:srgbClr val="00FFFF"/>
+                </a:highlight>
+                <a:latin typeface="Courier New" panose="02070309020205020404" pitchFamily="49" charset="0"/>
+                <a:cs typeface="Courier New" panose="02070309020205020404" pitchFamily="49" charset="0"/>
+              </a:rPr>
+              <a:t>RIGHT JOIN</a:t>
+            </a:r>
+            <a:r>
+              <a:rPr lang="en-GB" dirty="0"/>
+              <a:t>s always return the same data as an </a:t>
+            </a:r>
+            <a:r>
+              <a:rPr lang="en-GB" dirty="0">
+                <a:highlight>
+                  <a:srgbClr val="00FFFF"/>
+                </a:highlight>
+                <a:latin typeface="Courier New" panose="02070309020205020404" pitchFamily="49" charset="0"/>
+                <a:cs typeface="Courier New" panose="02070309020205020404" pitchFamily="49" charset="0"/>
+              </a:rPr>
+              <a:t>INNER JOIN</a:t>
+            </a:r>
+            <a:r>
+              <a:rPr lang="en-GB" dirty="0"/>
+              <a:t>. And then potentially some more rows.</a:t>
+            </a:r>
+          </a:p>
+        </p:txBody>
+      </p:sp>
+    </p:spTree>
+    <p:extLst>
+      <p:ext uri="{BB962C8B-B14F-4D97-AF65-F5344CB8AC3E}">
+        <p14:creationId xmlns:p14="http://schemas.microsoft.com/office/powerpoint/2010/main" val="2725054445"/>
+      </p:ext>
+    </p:extLst>
+  </p:cSld>
+  <p:clrMapOvr>
+    <a:masterClrMapping/>
+  </p:clrMapOvr>
+</p:sld>
+</file>
+
+<file path=ppt/slides/slide17.xml><?xml version="1.0" encoding="utf-8"?>
+<p:sld xmlns:a="http://schemas.openxmlformats.org/drawingml/2006/main" xmlns:r="http://schemas.openxmlformats.org/officeDocument/2006/relationships" xmlns:p="http://schemas.openxmlformats.org/presentationml/2006/main">
+  <p:cSld>
+    <p:spTree>
+      <p:nvGrpSpPr>
+        <p:cNvPr id="1" name=""/>
+        <p:cNvGrpSpPr/>
+        <p:nvPr/>
+      </p:nvGrpSpPr>
+      <p:grpSpPr>
+        <a:xfrm>
+          <a:off x="0" y="0"/>
+          <a:ext cx="0" cy="0"/>
+          <a:chOff x="0" y="0"/>
+          <a:chExt cx="0" cy="0"/>
+        </a:xfrm>
+      </p:grpSpPr>
+      <p:sp>
+        <p:nvSpPr>
+          <p:cNvPr id="2" name="Title 1">
+            <a:extLst>
+              <a:ext uri="{FF2B5EF4-FFF2-40B4-BE49-F238E27FC236}">
+                <a16:creationId xmlns:a16="http://schemas.microsoft.com/office/drawing/2014/main" id="{8D47DAE2-A8DC-47F8-8DCA-562C58CF1476}"/>
+              </a:ext>
+            </a:extLst>
+          </p:cNvPr>
+          <p:cNvSpPr>
+            <a:spLocks noGrp="1"/>
+          </p:cNvSpPr>
+          <p:nvPr>
+            <p:ph type="title"/>
+          </p:nvPr>
+        </p:nvSpPr>
+        <p:spPr/>
+        <p:txBody>
+          <a:bodyPr/>
+          <a:lstStyle/>
+          <a:p>
+            <a:r>
+              <a:rPr lang="en-GB" dirty="0"/>
+              <a:t>OUTER JOIN</a:t>
+            </a:r>
+          </a:p>
+        </p:txBody>
+      </p:sp>
+      <p:sp>
+        <p:nvSpPr>
+          <p:cNvPr id="3" name="Content Placeholder 2">
+            <a:extLst>
+              <a:ext uri="{FF2B5EF4-FFF2-40B4-BE49-F238E27FC236}">
+                <a16:creationId xmlns:a16="http://schemas.microsoft.com/office/drawing/2014/main" id="{0C6DA290-5E92-4B0E-A677-750D0E82E967}"/>
+              </a:ext>
+            </a:extLst>
+          </p:cNvPr>
+          <p:cNvSpPr>
+            <a:spLocks noGrp="1"/>
+          </p:cNvSpPr>
+          <p:nvPr>
+            <p:ph idx="1"/>
+          </p:nvPr>
+        </p:nvSpPr>
+        <p:spPr/>
+        <p:txBody>
+          <a:bodyPr>
+            <a:normAutofit lnSpcReduction="10000"/>
+          </a:bodyPr>
+          <a:lstStyle/>
+          <a:p>
+            <a:r>
+              <a:rPr lang="en-GB" dirty="0"/>
+              <a:t>Rare use case</a:t>
+            </a:r>
+          </a:p>
+          <a:p>
+            <a:r>
+              <a:rPr lang="en-GB" dirty="0"/>
+              <a:t>Returns the results of an </a:t>
+            </a:r>
+            <a:r>
+              <a:rPr lang="en-GB" dirty="0">
+                <a:highlight>
+                  <a:srgbClr val="00FFFF"/>
+                </a:highlight>
+                <a:latin typeface="Courier New" panose="02070309020205020404" pitchFamily="49" charset="0"/>
+                <a:cs typeface="Courier New" panose="02070309020205020404" pitchFamily="49" charset="0"/>
+              </a:rPr>
+              <a:t>INNER JOIN</a:t>
+            </a:r>
+            <a:r>
+              <a:rPr lang="en-GB" dirty="0"/>
+              <a:t> as well as unmatched rows on either side of the two tables</a:t>
+            </a:r>
+          </a:p>
+          <a:p>
+            <a:endParaRPr lang="en-GB" dirty="0"/>
+          </a:p>
+          <a:p>
+            <a:r>
+              <a:rPr lang="en-GB" dirty="0"/>
+              <a:t>Won’t cover it here – but view this link if you’re interested in learning it: </a:t>
+            </a:r>
+            <a:r>
+              <a:rPr lang="en-GB" dirty="0">
+                <a:hlinkClick r:id="rId2"/>
+              </a:rPr>
+              <a:t>http://www.w3resource.com/sql/joins/perform-a-full-outer-join.php</a:t>
+            </a:r>
+            <a:endParaRPr lang="en-GB" dirty="0"/>
+          </a:p>
+          <a:p>
+            <a:r>
+              <a:rPr lang="en-GB" dirty="0"/>
+              <a:t>Discussion about its uses: </a:t>
+            </a:r>
+            <a:r>
+              <a:rPr lang="en-GB" dirty="0">
+                <a:hlinkClick r:id="rId3"/>
+              </a:rPr>
+              <a:t>https://stackoverflow.com/questions/2094793/when-is-a-good-situation-to-use-a-full-outer-join</a:t>
+            </a:r>
+            <a:endParaRPr lang="en-GB" dirty="0"/>
+          </a:p>
+          <a:p>
+            <a:endParaRPr lang="en-GB" dirty="0"/>
+          </a:p>
+          <a:p>
+            <a:endParaRPr lang="en-GB" dirty="0"/>
+          </a:p>
+        </p:txBody>
+      </p:sp>
+    </p:spTree>
+    <p:extLst>
+      <p:ext uri="{BB962C8B-B14F-4D97-AF65-F5344CB8AC3E}">
+        <p14:creationId xmlns:p14="http://schemas.microsoft.com/office/powerpoint/2010/main" val="369524981"/>
+      </p:ext>
+    </p:extLst>
+  </p:cSld>
+  <p:clrMapOvr>
+    <a:masterClrMapping/>
+  </p:clrMapOvr>
+</p:sld>
+</file>
+
+<file path=ppt/slides/slide18.xml><?xml version="1.0" encoding="utf-8"?>
+<p:sld xmlns:a="http://schemas.openxmlformats.org/drawingml/2006/main" xmlns:r="http://schemas.openxmlformats.org/officeDocument/2006/relationships" xmlns:p="http://schemas.openxmlformats.org/presentationml/2006/main">
+  <p:cSld>
+    <p:spTree>
+      <p:nvGrpSpPr>
+        <p:cNvPr id="1" name=""/>
+        <p:cNvGrpSpPr/>
+        <p:nvPr/>
+      </p:nvGrpSpPr>
+      <p:grpSpPr>
+        <a:xfrm>
+          <a:off x="0" y="0"/>
+          <a:ext cx="0" cy="0"/>
+          <a:chOff x="0" y="0"/>
+          <a:chExt cx="0" cy="0"/>
+        </a:xfrm>
+      </p:grpSpPr>
+      <p:sp>
+        <p:nvSpPr>
+          <p:cNvPr id="2" name="Title 1">
+            <a:extLst>
+              <a:ext uri="{FF2B5EF4-FFF2-40B4-BE49-F238E27FC236}">
+                <a16:creationId xmlns:a16="http://schemas.microsoft.com/office/drawing/2014/main" id="{F5BC2199-4DA4-46FC-817B-F3E18E99CDD4}"/>
+              </a:ext>
+            </a:extLst>
+          </p:cNvPr>
+          <p:cNvSpPr>
+            <a:spLocks noGrp="1"/>
+          </p:cNvSpPr>
+          <p:nvPr>
+            <p:ph type="title"/>
+          </p:nvPr>
+        </p:nvSpPr>
+        <p:spPr/>
+        <p:txBody>
+          <a:bodyPr/>
+          <a:lstStyle/>
+          <a:p>
+            <a:r>
+              <a:rPr lang="en-GB" dirty="0"/>
+              <a:t>Challenges!</a:t>
+            </a:r>
+          </a:p>
+        </p:txBody>
+      </p:sp>
+      <p:sp>
+        <p:nvSpPr>
+          <p:cNvPr id="3" name="Content Placeholder 2">
+            <a:extLst>
+              <a:ext uri="{FF2B5EF4-FFF2-40B4-BE49-F238E27FC236}">
+                <a16:creationId xmlns:a16="http://schemas.microsoft.com/office/drawing/2014/main" id="{AA53E01E-6E08-44FE-A500-299EF584C47D}"/>
+              </a:ext>
+            </a:extLst>
+          </p:cNvPr>
+          <p:cNvSpPr>
+            <a:spLocks noGrp="1"/>
+          </p:cNvSpPr>
+          <p:nvPr>
+            <p:ph idx="1"/>
+          </p:nvPr>
+        </p:nvSpPr>
+        <p:spPr/>
+        <p:txBody>
+          <a:bodyPr/>
+          <a:lstStyle/>
+          <a:p>
+            <a:r>
+              <a:rPr lang="en-GB" dirty="0"/>
+              <a:t>You are given these two tables:</a:t>
+            </a:r>
+          </a:p>
+        </p:txBody>
+      </p:sp>
+      <p:graphicFrame>
+        <p:nvGraphicFramePr>
+          <p:cNvPr id="6" name="Table 6">
+            <a:extLst>
+              <a:ext uri="{FF2B5EF4-FFF2-40B4-BE49-F238E27FC236}">
+                <a16:creationId xmlns:a16="http://schemas.microsoft.com/office/drawing/2014/main" id="{6784BD5B-DC96-47D3-9D7A-FDD347082E29}"/>
+              </a:ext>
+            </a:extLst>
+          </p:cNvPr>
+          <p:cNvGraphicFramePr>
+            <a:graphicFrameLocks noGrp="1"/>
+          </p:cNvGraphicFramePr>
+          <p:nvPr>
+            <p:extLst>
+              <p:ext uri="{D42A27DB-BD31-4B8C-83A1-F6EECF244321}">
+                <p14:modId xmlns:p14="http://schemas.microsoft.com/office/powerpoint/2010/main" val="3256623189"/>
+              </p:ext>
+            </p:extLst>
+          </p:nvPr>
+        </p:nvGraphicFramePr>
+        <p:xfrm>
+          <a:off x="2006313" y="2908062"/>
+          <a:ext cx="3166111" cy="2595880"/>
+        </p:xfrm>
+        <a:graphic>
+          <a:graphicData uri="http://schemas.openxmlformats.org/drawingml/2006/table">
+            <a:tbl>
+              <a:tblPr firstRow="1" bandRow="1">
+                <a:tableStyleId>{5C22544A-7EE6-4342-B048-85BDC9FD1C3A}</a:tableStyleId>
+              </a:tblPr>
+              <a:tblGrid>
+                <a:gridCol w="1403668">
+                  <a:extLst>
+                    <a:ext uri="{9D8B030D-6E8A-4147-A177-3AD203B41FA5}">
+                      <a16:colId xmlns:a16="http://schemas.microsoft.com/office/drawing/2014/main" val="61516602"/>
+                    </a:ext>
+                  </a:extLst>
+                </a:gridCol>
+                <a:gridCol w="1762443">
+                  <a:extLst>
+                    <a:ext uri="{9D8B030D-6E8A-4147-A177-3AD203B41FA5}">
+                      <a16:colId xmlns:a16="http://schemas.microsoft.com/office/drawing/2014/main" val="3030904844"/>
+                    </a:ext>
+                  </a:extLst>
+                </a:gridCol>
+              </a:tblGrid>
+              <a:tr h="370840">
+                <a:tc>
+                  <a:txBody>
+                    <a:bodyPr/>
+                    <a:lstStyle/>
+                    <a:p>
+                      <a:r>
+                        <a:rPr lang="en-GB" dirty="0" err="1"/>
+                        <a:t>customerID</a:t>
+                      </a:r>
+                      <a:endParaRPr lang="en-GB" dirty="0"/>
+                    </a:p>
+                  </a:txBody>
+                  <a:tcPr/>
+                </a:tc>
+                <a:tc>
+                  <a:txBody>
+                    <a:bodyPr/>
+                    <a:lstStyle/>
+                    <a:p>
+                      <a:r>
+                        <a:rPr lang="en-GB" dirty="0" err="1"/>
+                        <a:t>customerName</a:t>
+                      </a:r>
+                      <a:endParaRPr lang="en-GB" dirty="0"/>
+                    </a:p>
+                  </a:txBody>
+                  <a:tcPr/>
+                </a:tc>
+                <a:extLst>
+                  <a:ext uri="{0D108BD9-81ED-4DB2-BD59-A6C34878D82A}">
+                    <a16:rowId xmlns:a16="http://schemas.microsoft.com/office/drawing/2014/main" val="3547558301"/>
+                  </a:ext>
+                </a:extLst>
+              </a:tr>
+              <a:tr h="370840">
+                <a:tc>
+                  <a:txBody>
+                    <a:bodyPr/>
+                    <a:lstStyle/>
+                    <a:p>
+                      <a:r>
+                        <a:rPr lang="en-GB" dirty="0"/>
+                        <a:t>1</a:t>
+                      </a:r>
+                    </a:p>
+                  </a:txBody>
+                  <a:tcPr/>
+                </a:tc>
+                <a:tc>
+                  <a:txBody>
+                    <a:bodyPr/>
+                    <a:lstStyle/>
+                    <a:p>
+                      <a:r>
+                        <a:rPr lang="en-GB" dirty="0"/>
+                        <a:t>Homer</a:t>
+                      </a:r>
+                    </a:p>
+                  </a:txBody>
+                  <a:tcPr/>
+                </a:tc>
+                <a:extLst>
+                  <a:ext uri="{0D108BD9-81ED-4DB2-BD59-A6C34878D82A}">
+                    <a16:rowId xmlns:a16="http://schemas.microsoft.com/office/drawing/2014/main" val="1432562587"/>
+                  </a:ext>
+                </a:extLst>
+              </a:tr>
+              <a:tr h="370840">
+                <a:tc>
+                  <a:txBody>
+                    <a:bodyPr/>
+                    <a:lstStyle/>
+                    <a:p>
+                      <a:r>
+                        <a:rPr lang="en-GB" dirty="0"/>
+                        <a:t>2</a:t>
+                      </a:r>
+                    </a:p>
+                  </a:txBody>
+                  <a:tcPr/>
+                </a:tc>
+                <a:tc>
+                  <a:txBody>
+                    <a:bodyPr/>
+                    <a:lstStyle/>
+                    <a:p>
+                      <a:r>
+                        <a:rPr lang="en-GB" dirty="0"/>
+                        <a:t>Marge</a:t>
+                      </a:r>
+                    </a:p>
+                  </a:txBody>
+                  <a:tcPr/>
+                </a:tc>
+                <a:extLst>
+                  <a:ext uri="{0D108BD9-81ED-4DB2-BD59-A6C34878D82A}">
+                    <a16:rowId xmlns:a16="http://schemas.microsoft.com/office/drawing/2014/main" val="1878055094"/>
+                  </a:ext>
+                </a:extLst>
+              </a:tr>
+              <a:tr h="370840">
+                <a:tc>
+                  <a:txBody>
+                    <a:bodyPr/>
+                    <a:lstStyle/>
+                    <a:p>
+                      <a:r>
+                        <a:rPr lang="en-GB" dirty="0"/>
+                        <a:t>3</a:t>
+                      </a:r>
+                    </a:p>
+                  </a:txBody>
+                  <a:tcPr/>
+                </a:tc>
+                <a:tc>
+                  <a:txBody>
+                    <a:bodyPr/>
+                    <a:lstStyle/>
+                    <a:p>
+                      <a:r>
+                        <a:rPr lang="en-GB" dirty="0"/>
+                        <a:t>Bart</a:t>
+                      </a:r>
+                    </a:p>
+                  </a:txBody>
+                  <a:tcPr/>
+                </a:tc>
+                <a:extLst>
+                  <a:ext uri="{0D108BD9-81ED-4DB2-BD59-A6C34878D82A}">
+                    <a16:rowId xmlns:a16="http://schemas.microsoft.com/office/drawing/2014/main" val="2011729913"/>
+                  </a:ext>
+                </a:extLst>
+              </a:tr>
+              <a:tr h="370840">
+                <a:tc>
+                  <a:txBody>
+                    <a:bodyPr/>
+                    <a:lstStyle/>
+                    <a:p>
+                      <a:r>
+                        <a:rPr lang="en-GB" dirty="0"/>
+                        <a:t>4</a:t>
+                      </a:r>
+                    </a:p>
+                  </a:txBody>
+                  <a:tcPr/>
+                </a:tc>
+                <a:tc>
+                  <a:txBody>
+                    <a:bodyPr/>
+                    <a:lstStyle/>
+                    <a:p>
+                      <a:r>
+                        <a:rPr lang="en-GB" dirty="0"/>
+                        <a:t>Lisa</a:t>
+                      </a:r>
+                    </a:p>
+                  </a:txBody>
+                  <a:tcPr/>
+                </a:tc>
+                <a:extLst>
+                  <a:ext uri="{0D108BD9-81ED-4DB2-BD59-A6C34878D82A}">
+                    <a16:rowId xmlns:a16="http://schemas.microsoft.com/office/drawing/2014/main" val="39693774"/>
+                  </a:ext>
+                </a:extLst>
+              </a:tr>
+              <a:tr h="370840">
+                <a:tc>
+                  <a:txBody>
+                    <a:bodyPr/>
+                    <a:lstStyle/>
+                    <a:p>
+                      <a:r>
+                        <a:rPr lang="en-GB" dirty="0"/>
+                        <a:t>5</a:t>
+                      </a:r>
+                    </a:p>
+                  </a:txBody>
+                  <a:tcPr/>
+                </a:tc>
+                <a:tc>
+                  <a:txBody>
+                    <a:bodyPr/>
+                    <a:lstStyle/>
+                    <a:p>
+                      <a:r>
+                        <a:rPr lang="en-GB" dirty="0"/>
+                        <a:t>Maggie</a:t>
+                      </a:r>
+                    </a:p>
+                  </a:txBody>
+                  <a:tcPr/>
+                </a:tc>
+                <a:extLst>
+                  <a:ext uri="{0D108BD9-81ED-4DB2-BD59-A6C34878D82A}">
+                    <a16:rowId xmlns:a16="http://schemas.microsoft.com/office/drawing/2014/main" val="2796092124"/>
+                  </a:ext>
+                </a:extLst>
+              </a:tr>
+              <a:tr h="370840">
+                <a:tc>
+                  <a:txBody>
+                    <a:bodyPr/>
+                    <a:lstStyle/>
+                    <a:p>
+                      <a:r>
+                        <a:rPr lang="en-GB" dirty="0"/>
+                        <a:t>6</a:t>
+                      </a:r>
+                    </a:p>
+                  </a:txBody>
+                  <a:tcPr/>
+                </a:tc>
+                <a:tc>
+                  <a:txBody>
+                    <a:bodyPr/>
+                    <a:lstStyle/>
+                    <a:p>
+                      <a:r>
+                        <a:rPr lang="en-GB" dirty="0"/>
+                        <a:t>Moe</a:t>
+                      </a:r>
+                    </a:p>
+                  </a:txBody>
+                  <a:tcPr/>
+                </a:tc>
+                <a:extLst>
+                  <a:ext uri="{0D108BD9-81ED-4DB2-BD59-A6C34878D82A}">
+                    <a16:rowId xmlns:a16="http://schemas.microsoft.com/office/drawing/2014/main" val="998731202"/>
+                  </a:ext>
+                </a:extLst>
+              </a:tr>
+            </a:tbl>
+          </a:graphicData>
+        </a:graphic>
+      </p:graphicFrame>
+      <p:graphicFrame>
+        <p:nvGraphicFramePr>
+          <p:cNvPr id="8" name="Table 6">
+            <a:extLst>
+              <a:ext uri="{FF2B5EF4-FFF2-40B4-BE49-F238E27FC236}">
+                <a16:creationId xmlns:a16="http://schemas.microsoft.com/office/drawing/2014/main" id="{D23AE19C-37A5-41D7-A310-5207EA0A212E}"/>
+              </a:ext>
+            </a:extLst>
+          </p:cNvPr>
+          <p:cNvGraphicFramePr>
+            <a:graphicFrameLocks noGrp="1"/>
+          </p:cNvGraphicFramePr>
+          <p:nvPr>
+            <p:extLst>
+              <p:ext uri="{D42A27DB-BD31-4B8C-83A1-F6EECF244321}">
+                <p14:modId xmlns:p14="http://schemas.microsoft.com/office/powerpoint/2010/main" val="1173653723"/>
+              </p:ext>
+            </p:extLst>
+          </p:nvPr>
+        </p:nvGraphicFramePr>
+        <p:xfrm>
+          <a:off x="5615966" y="2908062"/>
+          <a:ext cx="4399696" cy="2595880"/>
+        </p:xfrm>
+        <a:graphic>
+          <a:graphicData uri="http://schemas.openxmlformats.org/drawingml/2006/table">
+            <a:tbl>
+              <a:tblPr firstRow="1" bandRow="1">
+                <a:tableStyleId>{5C22544A-7EE6-4342-B048-85BDC9FD1C3A}</a:tableStyleId>
+              </a:tblPr>
+              <a:tblGrid>
+                <a:gridCol w="1233585">
+                  <a:extLst>
+                    <a:ext uri="{9D8B030D-6E8A-4147-A177-3AD203B41FA5}">
+                      <a16:colId xmlns:a16="http://schemas.microsoft.com/office/drawing/2014/main" val="3617409987"/>
+                    </a:ext>
+                  </a:extLst>
+                </a:gridCol>
+                <a:gridCol w="1403668">
+                  <a:extLst>
+                    <a:ext uri="{9D8B030D-6E8A-4147-A177-3AD203B41FA5}">
+                      <a16:colId xmlns:a16="http://schemas.microsoft.com/office/drawing/2014/main" val="61516602"/>
+                    </a:ext>
+                  </a:extLst>
+                </a:gridCol>
+                <a:gridCol w="1762443">
+                  <a:extLst>
+                    <a:ext uri="{9D8B030D-6E8A-4147-A177-3AD203B41FA5}">
+                      <a16:colId xmlns:a16="http://schemas.microsoft.com/office/drawing/2014/main" val="3030904844"/>
+                    </a:ext>
+                  </a:extLst>
+                </a:gridCol>
+              </a:tblGrid>
+              <a:tr h="370840">
+                <a:tc>
+                  <a:txBody>
+                    <a:bodyPr/>
+                    <a:lstStyle/>
+                    <a:p>
+                      <a:r>
+                        <a:rPr lang="en-GB" dirty="0" err="1"/>
+                        <a:t>orderID</a:t>
+                      </a:r>
+                      <a:endParaRPr lang="en-GB" dirty="0"/>
+                    </a:p>
+                  </a:txBody>
+                  <a:tcPr/>
+                </a:tc>
+                <a:tc>
+                  <a:txBody>
+                    <a:bodyPr/>
+                    <a:lstStyle/>
+                    <a:p>
+                      <a:r>
+                        <a:rPr lang="en-GB" dirty="0" err="1"/>
+                        <a:t>customerID</a:t>
+                      </a:r>
+                      <a:endParaRPr lang="en-GB" dirty="0"/>
+                    </a:p>
+                  </a:txBody>
+                  <a:tcPr/>
+                </a:tc>
+                <a:tc>
+                  <a:txBody>
+                    <a:bodyPr/>
+                    <a:lstStyle/>
+                    <a:p>
+                      <a:r>
+                        <a:rPr lang="en-GB" dirty="0"/>
+                        <a:t>item</a:t>
+                      </a:r>
+                    </a:p>
+                  </a:txBody>
+                  <a:tcPr/>
+                </a:tc>
+                <a:extLst>
+                  <a:ext uri="{0D108BD9-81ED-4DB2-BD59-A6C34878D82A}">
+                    <a16:rowId xmlns:a16="http://schemas.microsoft.com/office/drawing/2014/main" val="3547558301"/>
+                  </a:ext>
+                </a:extLst>
+              </a:tr>
+              <a:tr h="370840">
+                <a:tc>
+                  <a:txBody>
+                    <a:bodyPr/>
+                    <a:lstStyle/>
+                    <a:p>
+                      <a:r>
+                        <a:rPr lang="en-GB" dirty="0"/>
+                        <a:t>1</a:t>
+                      </a:r>
+                    </a:p>
+                  </a:txBody>
+                  <a:tcPr/>
+                </a:tc>
+                <a:tc>
+                  <a:txBody>
+                    <a:bodyPr/>
+                    <a:lstStyle/>
+                    <a:p>
+                      <a:r>
+                        <a:rPr lang="en-GB" dirty="0"/>
+                        <a:t>1</a:t>
+                      </a:r>
+                    </a:p>
+                  </a:txBody>
+                  <a:tcPr/>
+                </a:tc>
+                <a:tc>
+                  <a:txBody>
+                    <a:bodyPr/>
+                    <a:lstStyle/>
+                    <a:p>
+                      <a:r>
+                        <a:rPr lang="en-GB" dirty="0"/>
+                        <a:t>Beer</a:t>
+                      </a:r>
+                    </a:p>
+                  </a:txBody>
+                  <a:tcPr/>
+                </a:tc>
+                <a:extLst>
+                  <a:ext uri="{0D108BD9-81ED-4DB2-BD59-A6C34878D82A}">
+                    <a16:rowId xmlns:a16="http://schemas.microsoft.com/office/drawing/2014/main" val="1432562587"/>
+                  </a:ext>
+                </a:extLst>
+              </a:tr>
+              <a:tr h="370840">
+                <a:tc>
+                  <a:txBody>
+                    <a:bodyPr/>
+                    <a:lstStyle/>
+                    <a:p>
+                      <a:r>
+                        <a:rPr lang="en-GB" dirty="0"/>
+                        <a:t>2</a:t>
+                      </a:r>
+                    </a:p>
+                  </a:txBody>
+                  <a:tcPr/>
+                </a:tc>
+                <a:tc>
+                  <a:txBody>
+                    <a:bodyPr/>
+                    <a:lstStyle/>
+                    <a:p>
+                      <a:r>
+                        <a:rPr lang="en-GB" dirty="0"/>
+                        <a:t>2</a:t>
+                      </a:r>
+                    </a:p>
+                  </a:txBody>
+                  <a:tcPr/>
+                </a:tc>
+                <a:tc>
+                  <a:txBody>
+                    <a:bodyPr/>
+                    <a:lstStyle/>
+                    <a:p>
+                      <a:r>
+                        <a:rPr lang="en-GB" dirty="0"/>
+                        <a:t>Hair product</a:t>
+                      </a:r>
+                    </a:p>
+                  </a:txBody>
+                  <a:tcPr/>
+                </a:tc>
+                <a:extLst>
+                  <a:ext uri="{0D108BD9-81ED-4DB2-BD59-A6C34878D82A}">
+                    <a16:rowId xmlns:a16="http://schemas.microsoft.com/office/drawing/2014/main" val="1878055094"/>
+                  </a:ext>
+                </a:extLst>
+              </a:tr>
+              <a:tr h="370840">
+                <a:tc>
+                  <a:txBody>
+                    <a:bodyPr/>
+                    <a:lstStyle/>
+                    <a:p>
+                      <a:r>
+                        <a:rPr lang="en-GB" dirty="0"/>
+                        <a:t>3</a:t>
+                      </a:r>
+                    </a:p>
+                  </a:txBody>
+                  <a:tcPr/>
+                </a:tc>
+                <a:tc>
+                  <a:txBody>
+                    <a:bodyPr/>
+                    <a:lstStyle/>
+                    <a:p>
+                      <a:r>
+                        <a:rPr lang="en-GB" dirty="0"/>
+                        <a:t>2</a:t>
+                      </a:r>
+                    </a:p>
+                  </a:txBody>
+                  <a:tcPr/>
+                </a:tc>
+                <a:tc>
+                  <a:txBody>
+                    <a:bodyPr/>
+                    <a:lstStyle/>
+                    <a:p>
+                      <a:r>
+                        <a:rPr lang="en-GB" dirty="0"/>
+                        <a:t>Dress</a:t>
+                      </a:r>
+                    </a:p>
+                  </a:txBody>
+                  <a:tcPr/>
+                </a:tc>
+                <a:extLst>
+                  <a:ext uri="{0D108BD9-81ED-4DB2-BD59-A6C34878D82A}">
+                    <a16:rowId xmlns:a16="http://schemas.microsoft.com/office/drawing/2014/main" val="2011729913"/>
+                  </a:ext>
+                </a:extLst>
+              </a:tr>
+              <a:tr h="370840">
+                <a:tc>
+                  <a:txBody>
+                    <a:bodyPr/>
+                    <a:lstStyle/>
+                    <a:p>
+                      <a:r>
+                        <a:rPr lang="en-GB" dirty="0"/>
+                        <a:t>4</a:t>
+                      </a:r>
+                    </a:p>
+                  </a:txBody>
+                  <a:tcPr/>
+                </a:tc>
+                <a:tc>
+                  <a:txBody>
+                    <a:bodyPr/>
+                    <a:lstStyle/>
+                    <a:p>
+                      <a:r>
+                        <a:rPr lang="en-GB" dirty="0"/>
+                        <a:t>3</a:t>
+                      </a:r>
+                    </a:p>
+                  </a:txBody>
+                  <a:tcPr/>
+                </a:tc>
+                <a:tc>
+                  <a:txBody>
+                    <a:bodyPr/>
+                    <a:lstStyle/>
+                    <a:p>
+                      <a:r>
+                        <a:rPr lang="en-GB" dirty="0"/>
+                        <a:t>Juice</a:t>
+                      </a:r>
+                    </a:p>
+                  </a:txBody>
+                  <a:tcPr/>
+                </a:tc>
+                <a:extLst>
+                  <a:ext uri="{0D108BD9-81ED-4DB2-BD59-A6C34878D82A}">
+                    <a16:rowId xmlns:a16="http://schemas.microsoft.com/office/drawing/2014/main" val="39693774"/>
+                  </a:ext>
+                </a:extLst>
+              </a:tr>
+              <a:tr h="370840">
+                <a:tc>
+                  <a:txBody>
+                    <a:bodyPr/>
+                    <a:lstStyle/>
+                    <a:p>
+                      <a:r>
+                        <a:rPr lang="en-GB" dirty="0"/>
+                        <a:t>5</a:t>
+                      </a:r>
+                    </a:p>
+                  </a:txBody>
+                  <a:tcPr/>
+                </a:tc>
+                <a:tc>
+                  <a:txBody>
+                    <a:bodyPr/>
+                    <a:lstStyle/>
+                    <a:p>
+                      <a:r>
+                        <a:rPr lang="en-GB" dirty="0"/>
+                        <a:t>3</a:t>
+                      </a:r>
+                    </a:p>
+                  </a:txBody>
+                  <a:tcPr/>
+                </a:tc>
+                <a:tc>
+                  <a:txBody>
+                    <a:bodyPr/>
+                    <a:lstStyle/>
+                    <a:p>
+                      <a:r>
+                        <a:rPr lang="en-GB" dirty="0"/>
+                        <a:t>Magazine</a:t>
+                      </a:r>
+                    </a:p>
+                  </a:txBody>
+                  <a:tcPr/>
+                </a:tc>
+                <a:extLst>
+                  <a:ext uri="{0D108BD9-81ED-4DB2-BD59-A6C34878D82A}">
+                    <a16:rowId xmlns:a16="http://schemas.microsoft.com/office/drawing/2014/main" val="2796092124"/>
+                  </a:ext>
+                </a:extLst>
+              </a:tr>
+              <a:tr h="370840">
+                <a:tc>
+                  <a:txBody>
+                    <a:bodyPr/>
+                    <a:lstStyle/>
+                    <a:p>
+                      <a:r>
+                        <a:rPr lang="en-GB" dirty="0"/>
+                        <a:t>6</a:t>
+                      </a:r>
+                    </a:p>
+                  </a:txBody>
+                  <a:tcPr/>
+                </a:tc>
+                <a:tc>
+                  <a:txBody>
+                    <a:bodyPr/>
+                    <a:lstStyle/>
+                    <a:p>
+                      <a:r>
+                        <a:rPr lang="en-GB" dirty="0"/>
+                        <a:t>6</a:t>
+                      </a:r>
+                    </a:p>
+                  </a:txBody>
+                  <a:tcPr/>
+                </a:tc>
+                <a:tc>
+                  <a:txBody>
+                    <a:bodyPr/>
+                    <a:lstStyle/>
+                    <a:p>
+                      <a:r>
+                        <a:rPr lang="en-GB" dirty="0"/>
+                        <a:t>Peanuts</a:t>
+                      </a:r>
+                    </a:p>
+                  </a:txBody>
+                  <a:tcPr/>
+                </a:tc>
+                <a:extLst>
+                  <a:ext uri="{0D108BD9-81ED-4DB2-BD59-A6C34878D82A}">
+                    <a16:rowId xmlns:a16="http://schemas.microsoft.com/office/drawing/2014/main" val="998731202"/>
+                  </a:ext>
+                </a:extLst>
+              </a:tr>
+            </a:tbl>
+          </a:graphicData>
+        </a:graphic>
+      </p:graphicFrame>
+    </p:spTree>
+    <p:extLst>
+      <p:ext uri="{BB962C8B-B14F-4D97-AF65-F5344CB8AC3E}">
+        <p14:creationId xmlns:p14="http://schemas.microsoft.com/office/powerpoint/2010/main" val="3164848138"/>
+      </p:ext>
+    </p:extLst>
+  </p:cSld>
+  <p:clrMapOvr>
+    <a:masterClrMapping/>
+  </p:clrMapOvr>
+</p:sld>
+</file>
+
+<file path=ppt/slides/slide19.xml><?xml version="1.0" encoding="utf-8"?>
+<p:sld xmlns:a="http://schemas.openxmlformats.org/drawingml/2006/main" xmlns:r="http://schemas.openxmlformats.org/officeDocument/2006/relationships" xmlns:p="http://schemas.openxmlformats.org/presentationml/2006/main">
+  <p:cSld>
+    <p:spTree>
+      <p:nvGrpSpPr>
+        <p:cNvPr id="1" name=""/>
+        <p:cNvGrpSpPr/>
+        <p:nvPr/>
+      </p:nvGrpSpPr>
+      <p:grpSpPr>
+        <a:xfrm>
+          <a:off x="0" y="0"/>
+          <a:ext cx="0" cy="0"/>
+          <a:chOff x="0" y="0"/>
+          <a:chExt cx="0" cy="0"/>
+        </a:xfrm>
+      </p:grpSpPr>
+      <p:sp>
+        <p:nvSpPr>
+          <p:cNvPr id="3" name="Content Placeholder 2">
+            <a:extLst>
+              <a:ext uri="{FF2B5EF4-FFF2-40B4-BE49-F238E27FC236}">
+                <a16:creationId xmlns:a16="http://schemas.microsoft.com/office/drawing/2014/main" id="{579BC24E-E6AD-45F3-A122-EC97E21B6000}"/>
+              </a:ext>
+            </a:extLst>
+          </p:cNvPr>
+          <p:cNvSpPr>
+            <a:spLocks noGrp="1"/>
+          </p:cNvSpPr>
+          <p:nvPr>
+            <p:ph idx="1"/>
+          </p:nvPr>
+        </p:nvSpPr>
+        <p:spPr>
+          <a:xfrm>
+            <a:off x="838199" y="1864759"/>
+            <a:ext cx="5778357" cy="5370442"/>
+          </a:xfrm>
+        </p:spPr>
+        <p:txBody>
+          <a:bodyPr>
+            <a:normAutofit/>
+          </a:bodyPr>
+          <a:lstStyle/>
+          <a:p>
+            <a:pPr marL="514350" indent="-514350">
+              <a:buFont typeface="+mj-lt"/>
+              <a:buAutoNum type="arabicPeriod"/>
+            </a:pPr>
+            <a:r>
+              <a:rPr lang="en-GB" sz="2000" dirty="0"/>
+              <a:t>Given the following SQL statement, answer:</a:t>
+            </a:r>
+          </a:p>
+          <a:p>
+            <a:pPr marL="971550" lvl="1" indent="-514350">
+              <a:buFont typeface="+mj-lt"/>
+              <a:buAutoNum type="arabicPeriod"/>
+            </a:pPr>
+            <a:r>
+              <a:rPr lang="en-GB" sz="1800" dirty="0"/>
+              <a:t>Number of columns in returned table</a:t>
+            </a:r>
+          </a:p>
+          <a:p>
+            <a:pPr marL="971550" lvl="1" indent="-514350">
+              <a:buFont typeface="+mj-lt"/>
+              <a:buAutoNum type="arabicPeriod"/>
+            </a:pPr>
+            <a:r>
+              <a:rPr lang="en-GB" sz="1800" dirty="0"/>
+              <a:t>Number of rows in returned table</a:t>
+            </a:r>
+          </a:p>
+          <a:p>
+            <a:pPr marL="971550" lvl="1" indent="-514350">
+              <a:buFont typeface="+mj-lt"/>
+              <a:buAutoNum type="arabicPeriod"/>
+            </a:pPr>
+            <a:r>
+              <a:rPr lang="en-GB" sz="1800" dirty="0"/>
+              <a:t>Number of times </a:t>
+            </a:r>
+            <a:r>
+              <a:rPr lang="en-GB" sz="1800" dirty="0" err="1"/>
+              <a:t>customerID</a:t>
+            </a:r>
+            <a:r>
+              <a:rPr lang="en-GB" sz="1800" dirty="0"/>
+              <a:t> “2” would show up</a:t>
+            </a:r>
+          </a:p>
+          <a:p>
+            <a:pPr marL="971550" lvl="1" indent="-514350">
+              <a:buFont typeface="+mj-lt"/>
+              <a:buAutoNum type="arabicPeriod"/>
+            </a:pPr>
+            <a:r>
+              <a:rPr lang="en-GB" sz="1800" dirty="0"/>
+              <a:t>Number of times </a:t>
+            </a:r>
+            <a:r>
+              <a:rPr lang="en-GB" sz="1800" dirty="0" err="1"/>
+              <a:t>customerID</a:t>
+            </a:r>
+            <a:r>
+              <a:rPr lang="en-GB" sz="1800" dirty="0"/>
+              <a:t> “5” would show up</a:t>
+            </a:r>
+          </a:p>
+          <a:p>
+            <a:pPr marL="971550" lvl="1" indent="-514350">
+              <a:buFont typeface="+mj-lt"/>
+              <a:buAutoNum type="arabicPeriod"/>
+            </a:pPr>
+            <a:endParaRPr lang="en-GB" sz="1800" dirty="0"/>
+          </a:p>
+          <a:p>
+            <a:pPr marL="971550" lvl="1" indent="-514350">
+              <a:buFont typeface="+mj-lt"/>
+              <a:buAutoNum type="arabicPeriod"/>
+            </a:pPr>
+            <a:endParaRPr lang="en-GB" sz="1800" dirty="0"/>
+          </a:p>
+          <a:p>
+            <a:pPr marL="514350" indent="-514350">
+              <a:buFont typeface="+mj-lt"/>
+              <a:buAutoNum type="arabicPeriod"/>
+            </a:pPr>
+            <a:r>
+              <a:rPr lang="en-GB" sz="2000" dirty="0"/>
+              <a:t>Given the following SQL statement, answer:</a:t>
+            </a:r>
+          </a:p>
+          <a:p>
+            <a:pPr marL="971550" lvl="1" indent="-514350">
+              <a:buFont typeface="+mj-lt"/>
+              <a:buAutoNum type="arabicPeriod"/>
+            </a:pPr>
+            <a:r>
+              <a:rPr lang="en-GB" sz="1800" dirty="0"/>
+              <a:t>Number of columns in returned table</a:t>
+            </a:r>
+          </a:p>
+          <a:p>
+            <a:pPr marL="971550" lvl="1" indent="-514350">
+              <a:buFont typeface="+mj-lt"/>
+              <a:buAutoNum type="arabicPeriod"/>
+            </a:pPr>
+            <a:r>
+              <a:rPr lang="en-GB" sz="1800" dirty="0"/>
+              <a:t>Number of rows in returned table</a:t>
+            </a:r>
+          </a:p>
+          <a:p>
+            <a:pPr marL="971550" lvl="1" indent="-514350">
+              <a:buFont typeface="+mj-lt"/>
+              <a:buAutoNum type="arabicPeriod"/>
+            </a:pPr>
+            <a:r>
+              <a:rPr lang="en-GB" sz="1800" dirty="0"/>
+              <a:t>Number of times </a:t>
+            </a:r>
+            <a:r>
+              <a:rPr lang="en-GB" sz="1800" dirty="0" err="1"/>
+              <a:t>customerID</a:t>
+            </a:r>
+            <a:r>
+              <a:rPr lang="en-GB" sz="1800" dirty="0"/>
+              <a:t> “2” would show up</a:t>
+            </a:r>
+          </a:p>
+          <a:p>
+            <a:pPr marL="971550" lvl="1" indent="-514350">
+              <a:buFont typeface="+mj-lt"/>
+              <a:buAutoNum type="arabicPeriod"/>
+            </a:pPr>
+            <a:r>
+              <a:rPr lang="en-GB" sz="1800" dirty="0"/>
+              <a:t>Number of times </a:t>
+            </a:r>
+            <a:r>
+              <a:rPr lang="en-GB" sz="1800" dirty="0" err="1"/>
+              <a:t>customerID</a:t>
+            </a:r>
+            <a:r>
+              <a:rPr lang="en-GB" sz="1800" dirty="0"/>
+              <a:t> “5” would show up</a:t>
+            </a:r>
+          </a:p>
+          <a:p>
+            <a:pPr marL="514350" indent="-514350">
+              <a:buFont typeface="+mj-lt"/>
+              <a:buAutoNum type="arabicPeriod"/>
+            </a:pPr>
+            <a:endParaRPr lang="en-GB" sz="2200" dirty="0"/>
+          </a:p>
+        </p:txBody>
+      </p:sp>
+      <p:sp>
+        <p:nvSpPr>
+          <p:cNvPr id="4" name="Content Placeholder 2">
+            <a:extLst>
+              <a:ext uri="{FF2B5EF4-FFF2-40B4-BE49-F238E27FC236}">
+                <a16:creationId xmlns:a16="http://schemas.microsoft.com/office/drawing/2014/main" id="{FB6C7149-28F9-4A70-B1B4-CD98E8675088}"/>
+              </a:ext>
+            </a:extLst>
+          </p:cNvPr>
+          <p:cNvSpPr txBox="1">
+            <a:spLocks/>
+          </p:cNvSpPr>
+          <p:nvPr/>
+        </p:nvSpPr>
+        <p:spPr>
+          <a:xfrm>
+            <a:off x="6750117" y="1864759"/>
+            <a:ext cx="4793751" cy="5370442"/>
+          </a:xfrm>
+          <a:prstGeom prst="rect">
+            <a:avLst/>
+          </a:prstGeom>
+        </p:spPr>
+        <p:txBody>
+          <a:bodyPr vert="horz" lIns="91440" tIns="45720" rIns="91440" bIns="45720" rtlCol="0">
+            <a:normAutofit/>
+          </a:bodyPr>
+          <a:lstStyle>
+            <a:lvl1pPr marL="228600" indent="-228600" algn="l" defTabSz="914400" rtl="0" eaLnBrk="1" latinLnBrk="0" hangingPunct="1">
+              <a:lnSpc>
+                <a:spcPct val="90000"/>
+              </a:lnSpc>
+              <a:spcBef>
+                <a:spcPts val="1000"/>
+              </a:spcBef>
+              <a:buFont typeface="Arial" panose="020B0604020202020204" pitchFamily="34" charset="0"/>
+              <a:buChar char="•"/>
+              <a:defRPr sz="2800" kern="1200">
+                <a:solidFill>
+                  <a:schemeClr val="tx1"/>
+                </a:solidFill>
+                <a:latin typeface="+mn-lt"/>
+                <a:ea typeface="+mn-ea"/>
+                <a:cs typeface="+mn-cs"/>
+              </a:defRPr>
+            </a:lvl1pPr>
+            <a:lvl2pPr marL="685800" indent="-228600" algn="l" defTabSz="914400" rtl="0" eaLnBrk="1" latinLnBrk="0" hangingPunct="1">
+              <a:lnSpc>
+                <a:spcPct val="90000"/>
+              </a:lnSpc>
+              <a:spcBef>
+                <a:spcPts val="500"/>
+              </a:spcBef>
+              <a:buFont typeface="Arial" panose="020B0604020202020204" pitchFamily="34" charset="0"/>
+              <a:buChar char="•"/>
+              <a:defRPr sz="2400" kern="1200">
+                <a:solidFill>
+                  <a:schemeClr val="tx1"/>
+                </a:solidFill>
+                <a:latin typeface="+mn-lt"/>
+                <a:ea typeface="+mn-ea"/>
+                <a:cs typeface="+mn-cs"/>
+              </a:defRPr>
+            </a:lvl2pPr>
+            <a:lvl3pPr marL="1143000" indent="-228600" algn="l" defTabSz="914400" rtl="0" eaLnBrk="1" latinLnBrk="0" hangingPunct="1">
+              <a:lnSpc>
+                <a:spcPct val="90000"/>
+              </a:lnSpc>
+              <a:spcBef>
+                <a:spcPts val="500"/>
+              </a:spcBef>
+              <a:buFont typeface="Arial" panose="020B0604020202020204" pitchFamily="34" charset="0"/>
+              <a:buChar char="•"/>
+              <a:defRPr sz="2000" kern="1200">
+                <a:solidFill>
+                  <a:schemeClr val="tx1"/>
+                </a:solidFill>
+                <a:latin typeface="+mn-lt"/>
+                <a:ea typeface="+mn-ea"/>
+                <a:cs typeface="+mn-cs"/>
+              </a:defRPr>
+            </a:lvl3pPr>
+            <a:lvl4pPr marL="1600200" indent="-228600" algn="l" defTabSz="914400" rtl="0" eaLnBrk="1" latinLnBrk="0" hangingPunct="1">
+              <a:lnSpc>
+                <a:spcPct val="90000"/>
+              </a:lnSpc>
+              <a:spcBef>
+                <a:spcPts val="500"/>
+              </a:spcBef>
+              <a:buFont typeface="Arial" panose="020B0604020202020204" pitchFamily="34" charset="0"/>
+              <a:buChar char="•"/>
+              <a:defRPr sz="1800" kern="1200">
+                <a:solidFill>
+                  <a:schemeClr val="tx1"/>
+                </a:solidFill>
+                <a:latin typeface="+mn-lt"/>
+                <a:ea typeface="+mn-ea"/>
+                <a:cs typeface="+mn-cs"/>
+              </a:defRPr>
+            </a:lvl4pPr>
+            <a:lvl5pPr marL="2057400" indent="-228600" algn="l" defTabSz="914400" rtl="0" eaLnBrk="1" latinLnBrk="0" hangingPunct="1">
+              <a:lnSpc>
+                <a:spcPct val="90000"/>
+              </a:lnSpc>
+              <a:spcBef>
+                <a:spcPts val="500"/>
+              </a:spcBef>
+              <a:buFont typeface="Arial" panose="020B0604020202020204" pitchFamily="34" charset="0"/>
+              <a:buChar char="•"/>
+              <a:defRPr sz="1800" kern="1200">
+                <a:solidFill>
+                  <a:schemeClr val="tx1"/>
+                </a:solidFill>
+                <a:latin typeface="+mn-lt"/>
+                <a:ea typeface="+mn-ea"/>
+                <a:cs typeface="+mn-cs"/>
+              </a:defRPr>
+            </a:lvl5pPr>
+            <a:lvl6pPr marL="2514600" indent="-228600" algn="l" defTabSz="914400" rtl="0" eaLnBrk="1" latinLnBrk="0" hangingPunct="1">
+              <a:lnSpc>
+                <a:spcPct val="90000"/>
+              </a:lnSpc>
+              <a:spcBef>
+                <a:spcPts val="500"/>
+              </a:spcBef>
+              <a:buFont typeface="Arial" panose="020B0604020202020204" pitchFamily="34" charset="0"/>
+              <a:buChar char="•"/>
+              <a:defRPr sz="1800" kern="1200">
+                <a:solidFill>
+                  <a:schemeClr val="tx1"/>
+                </a:solidFill>
+                <a:latin typeface="+mn-lt"/>
+                <a:ea typeface="+mn-ea"/>
+                <a:cs typeface="+mn-cs"/>
+              </a:defRPr>
+            </a:lvl6pPr>
+            <a:lvl7pPr marL="2971800" indent="-228600" algn="l" defTabSz="914400" rtl="0" eaLnBrk="1" latinLnBrk="0" hangingPunct="1">
+              <a:lnSpc>
+                <a:spcPct val="90000"/>
+              </a:lnSpc>
+              <a:spcBef>
+                <a:spcPts val="500"/>
+              </a:spcBef>
+              <a:buFont typeface="Arial" panose="020B0604020202020204" pitchFamily="34" charset="0"/>
+              <a:buChar char="•"/>
+              <a:defRPr sz="1800" kern="1200">
+                <a:solidFill>
+                  <a:schemeClr val="tx1"/>
+                </a:solidFill>
+                <a:latin typeface="+mn-lt"/>
+                <a:ea typeface="+mn-ea"/>
+                <a:cs typeface="+mn-cs"/>
+              </a:defRPr>
+            </a:lvl7pPr>
+            <a:lvl8pPr marL="3429000" indent="-228600" algn="l" defTabSz="914400" rtl="0" eaLnBrk="1" latinLnBrk="0" hangingPunct="1">
+              <a:lnSpc>
+                <a:spcPct val="90000"/>
+              </a:lnSpc>
+              <a:spcBef>
+                <a:spcPts val="500"/>
+              </a:spcBef>
+              <a:buFont typeface="Arial" panose="020B0604020202020204" pitchFamily="34" charset="0"/>
+              <a:buChar char="•"/>
+              <a:defRPr sz="1800" kern="1200">
+                <a:solidFill>
+                  <a:schemeClr val="tx1"/>
+                </a:solidFill>
+                <a:latin typeface="+mn-lt"/>
+                <a:ea typeface="+mn-ea"/>
+                <a:cs typeface="+mn-cs"/>
+              </a:defRPr>
+            </a:lvl8pPr>
+            <a:lvl9pPr marL="3886200" indent="-228600" algn="l" defTabSz="914400" rtl="0" eaLnBrk="1" latinLnBrk="0" hangingPunct="1">
+              <a:lnSpc>
+                <a:spcPct val="90000"/>
+              </a:lnSpc>
+              <a:spcBef>
+                <a:spcPts val="500"/>
+              </a:spcBef>
+              <a:buFont typeface="Arial" panose="020B0604020202020204" pitchFamily="34" charset="0"/>
+              <a:buChar char="•"/>
+              <a:defRPr sz="1800" kern="1200">
+                <a:solidFill>
+                  <a:schemeClr val="tx1"/>
+                </a:solidFill>
+                <a:latin typeface="+mn-lt"/>
+                <a:ea typeface="+mn-ea"/>
+                <a:cs typeface="+mn-cs"/>
+              </a:defRPr>
+            </a:lvl9pPr>
+          </a:lstStyle>
+          <a:p>
+            <a:pPr marL="0" indent="0">
+              <a:buNone/>
+            </a:pPr>
+            <a:r>
+              <a:rPr lang="en-GB" sz="2000" dirty="0">
+                <a:highlight>
+                  <a:srgbClr val="00FFFF"/>
+                </a:highlight>
+                <a:latin typeface="Courier New" panose="02070309020205020404" pitchFamily="49" charset="0"/>
+                <a:cs typeface="Courier New" panose="02070309020205020404" pitchFamily="49" charset="0"/>
+              </a:rPr>
+              <a:t>SELECT </a:t>
+            </a:r>
+            <a:r>
+              <a:rPr lang="en-GB" sz="2000" dirty="0" err="1">
+                <a:highlight>
+                  <a:srgbClr val="00FFFF"/>
+                </a:highlight>
+                <a:latin typeface="Courier New" panose="02070309020205020404" pitchFamily="49" charset="0"/>
+                <a:cs typeface="Courier New" panose="02070309020205020404" pitchFamily="49" charset="0"/>
+              </a:rPr>
+              <a:t>c.customerID</a:t>
+            </a:r>
+            <a:r>
+              <a:rPr lang="en-GB" sz="2000" dirty="0">
+                <a:highlight>
+                  <a:srgbClr val="00FFFF"/>
+                </a:highlight>
+                <a:latin typeface="Courier New" panose="02070309020205020404" pitchFamily="49" charset="0"/>
+                <a:cs typeface="Courier New" panose="02070309020205020404" pitchFamily="49" charset="0"/>
+              </a:rPr>
+              <a:t>, </a:t>
+            </a:r>
+            <a:r>
+              <a:rPr lang="en-GB" sz="2000" dirty="0" err="1">
+                <a:highlight>
+                  <a:srgbClr val="00FFFF"/>
+                </a:highlight>
+                <a:latin typeface="Courier New" panose="02070309020205020404" pitchFamily="49" charset="0"/>
+                <a:cs typeface="Courier New" panose="02070309020205020404" pitchFamily="49" charset="0"/>
+              </a:rPr>
+              <a:t>c.customerName</a:t>
+            </a:r>
+            <a:r>
+              <a:rPr lang="en-GB" sz="2000" dirty="0">
+                <a:highlight>
+                  <a:srgbClr val="00FFFF"/>
+                </a:highlight>
+                <a:latin typeface="Courier New" panose="02070309020205020404" pitchFamily="49" charset="0"/>
+                <a:cs typeface="Courier New" panose="02070309020205020404" pitchFamily="49" charset="0"/>
+              </a:rPr>
+              <a:t>, </a:t>
+            </a:r>
+            <a:r>
+              <a:rPr lang="en-GB" sz="2000" dirty="0" err="1">
+                <a:highlight>
+                  <a:srgbClr val="00FFFF"/>
+                </a:highlight>
+                <a:latin typeface="Courier New" panose="02070309020205020404" pitchFamily="49" charset="0"/>
+                <a:cs typeface="Courier New" panose="02070309020205020404" pitchFamily="49" charset="0"/>
+              </a:rPr>
+              <a:t>o.item</a:t>
+            </a:r>
+            <a:br>
+              <a:rPr lang="en-GB" sz="2000" dirty="0">
+                <a:highlight>
+                  <a:srgbClr val="00FFFF"/>
+                </a:highlight>
+                <a:latin typeface="Courier New" panose="02070309020205020404" pitchFamily="49" charset="0"/>
+                <a:cs typeface="Courier New" panose="02070309020205020404" pitchFamily="49" charset="0"/>
+              </a:rPr>
+            </a:br>
+            <a:r>
+              <a:rPr lang="en-GB" sz="2000" dirty="0">
+                <a:highlight>
+                  <a:srgbClr val="00FFFF"/>
+                </a:highlight>
+                <a:latin typeface="Courier New" panose="02070309020205020404" pitchFamily="49" charset="0"/>
+                <a:cs typeface="Courier New" panose="02070309020205020404" pitchFamily="49" charset="0"/>
+              </a:rPr>
+              <a:t>FROM customer c</a:t>
+            </a:r>
+            <a:br>
+              <a:rPr lang="en-GB" sz="2000" dirty="0">
+                <a:highlight>
+                  <a:srgbClr val="00FFFF"/>
+                </a:highlight>
+                <a:latin typeface="Courier New" panose="02070309020205020404" pitchFamily="49" charset="0"/>
+                <a:cs typeface="Courier New" panose="02070309020205020404" pitchFamily="49" charset="0"/>
+              </a:rPr>
+            </a:br>
+            <a:r>
+              <a:rPr lang="en-GB" sz="2000" dirty="0">
+                <a:highlight>
+                  <a:srgbClr val="00FFFF"/>
+                </a:highlight>
+                <a:latin typeface="Courier New" panose="02070309020205020404" pitchFamily="49" charset="0"/>
+                <a:cs typeface="Courier New" panose="02070309020205020404" pitchFamily="49" charset="0"/>
+              </a:rPr>
+              <a:t>JOIN order o</a:t>
+            </a:r>
+            <a:br>
+              <a:rPr lang="en-GB" sz="2000" dirty="0">
+                <a:highlight>
+                  <a:srgbClr val="00FFFF"/>
+                </a:highlight>
+                <a:latin typeface="Courier New" panose="02070309020205020404" pitchFamily="49" charset="0"/>
+                <a:cs typeface="Courier New" panose="02070309020205020404" pitchFamily="49" charset="0"/>
+              </a:rPr>
+            </a:br>
+            <a:r>
+              <a:rPr lang="en-GB" sz="2000" dirty="0">
+                <a:highlight>
+                  <a:srgbClr val="00FFFF"/>
+                </a:highlight>
+                <a:latin typeface="Courier New" panose="02070309020205020404" pitchFamily="49" charset="0"/>
+                <a:cs typeface="Courier New" panose="02070309020205020404" pitchFamily="49" charset="0"/>
+              </a:rPr>
+              <a:t>ON </a:t>
+            </a:r>
+            <a:r>
+              <a:rPr lang="en-GB" sz="2000" dirty="0" err="1">
+                <a:highlight>
+                  <a:srgbClr val="00FFFF"/>
+                </a:highlight>
+                <a:latin typeface="Courier New" panose="02070309020205020404" pitchFamily="49" charset="0"/>
+                <a:cs typeface="Courier New" panose="02070309020205020404" pitchFamily="49" charset="0"/>
+              </a:rPr>
+              <a:t>c.customerID</a:t>
+            </a:r>
+            <a:r>
+              <a:rPr lang="en-GB" sz="2000" dirty="0">
+                <a:highlight>
+                  <a:srgbClr val="00FFFF"/>
+                </a:highlight>
+                <a:latin typeface="Courier New" panose="02070309020205020404" pitchFamily="49" charset="0"/>
+                <a:cs typeface="Courier New" panose="02070309020205020404" pitchFamily="49" charset="0"/>
+              </a:rPr>
+              <a:t> = </a:t>
+            </a:r>
+            <a:r>
+              <a:rPr lang="en-GB" sz="2000" dirty="0" err="1">
+                <a:highlight>
+                  <a:srgbClr val="00FFFF"/>
+                </a:highlight>
+                <a:latin typeface="Courier New" panose="02070309020205020404" pitchFamily="49" charset="0"/>
+                <a:cs typeface="Courier New" panose="02070309020205020404" pitchFamily="49" charset="0"/>
+              </a:rPr>
+              <a:t>o.customerID</a:t>
+            </a:r>
+            <a:endParaRPr lang="en-GB" sz="2000" dirty="0">
+              <a:highlight>
+                <a:srgbClr val="00FFFF"/>
+              </a:highlight>
+              <a:latin typeface="Courier New" panose="02070309020205020404" pitchFamily="49" charset="0"/>
+              <a:cs typeface="Courier New" panose="02070309020205020404" pitchFamily="49" charset="0"/>
+            </a:endParaRPr>
+          </a:p>
+          <a:p>
+            <a:pPr marL="0" indent="0">
+              <a:buNone/>
+            </a:pPr>
+            <a:br>
+              <a:rPr lang="en-GB" dirty="0">
+                <a:highlight>
+                  <a:srgbClr val="00FFFF"/>
+                </a:highlight>
+              </a:rPr>
+            </a:br>
+            <a:endParaRPr lang="en-GB" sz="900" dirty="0">
+              <a:highlight>
+                <a:srgbClr val="00FFFF"/>
+              </a:highlight>
+            </a:endParaRPr>
+          </a:p>
+          <a:p>
+            <a:pPr marL="0" indent="0">
+              <a:buNone/>
+            </a:pPr>
+            <a:br>
+              <a:rPr lang="en-GB" sz="2000" dirty="0">
+                <a:highlight>
+                  <a:srgbClr val="00FFFF"/>
+                </a:highlight>
+                <a:latin typeface="Courier New" panose="02070309020205020404" pitchFamily="49" charset="0"/>
+                <a:cs typeface="Courier New" panose="02070309020205020404" pitchFamily="49" charset="0"/>
+              </a:rPr>
+            </a:br>
+            <a:r>
+              <a:rPr lang="en-GB" sz="2000" dirty="0">
+                <a:highlight>
+                  <a:srgbClr val="00FFFF"/>
+                </a:highlight>
+                <a:latin typeface="Courier New" panose="02070309020205020404" pitchFamily="49" charset="0"/>
+                <a:cs typeface="Courier New" panose="02070309020205020404" pitchFamily="49" charset="0"/>
+              </a:rPr>
+              <a:t>SELECT </a:t>
+            </a:r>
+            <a:r>
+              <a:rPr lang="en-GB" sz="2000" dirty="0" err="1">
+                <a:highlight>
+                  <a:srgbClr val="00FFFF"/>
+                </a:highlight>
+                <a:latin typeface="Courier New" panose="02070309020205020404" pitchFamily="49" charset="0"/>
+                <a:cs typeface="Courier New" panose="02070309020205020404" pitchFamily="49" charset="0"/>
+              </a:rPr>
+              <a:t>c.customerID</a:t>
+            </a:r>
+            <a:r>
+              <a:rPr lang="en-GB" sz="2000" dirty="0">
+                <a:highlight>
+                  <a:srgbClr val="00FFFF"/>
+                </a:highlight>
+                <a:latin typeface="Courier New" panose="02070309020205020404" pitchFamily="49" charset="0"/>
+                <a:cs typeface="Courier New" panose="02070309020205020404" pitchFamily="49" charset="0"/>
+              </a:rPr>
+              <a:t>, </a:t>
+            </a:r>
+            <a:r>
+              <a:rPr lang="en-GB" sz="2000" dirty="0" err="1">
+                <a:highlight>
+                  <a:srgbClr val="00FFFF"/>
+                </a:highlight>
+                <a:latin typeface="Courier New" panose="02070309020205020404" pitchFamily="49" charset="0"/>
+                <a:cs typeface="Courier New" panose="02070309020205020404" pitchFamily="49" charset="0"/>
+              </a:rPr>
+              <a:t>c.customerName</a:t>
+            </a:r>
+            <a:r>
+              <a:rPr lang="en-GB" sz="2000" dirty="0">
+                <a:highlight>
+                  <a:srgbClr val="00FFFF"/>
+                </a:highlight>
+                <a:latin typeface="Courier New" panose="02070309020205020404" pitchFamily="49" charset="0"/>
+                <a:cs typeface="Courier New" panose="02070309020205020404" pitchFamily="49" charset="0"/>
+              </a:rPr>
+              <a:t>, </a:t>
+            </a:r>
+            <a:r>
+              <a:rPr lang="en-GB" sz="2000" dirty="0" err="1">
+                <a:highlight>
+                  <a:srgbClr val="00FFFF"/>
+                </a:highlight>
+                <a:latin typeface="Courier New" panose="02070309020205020404" pitchFamily="49" charset="0"/>
+                <a:cs typeface="Courier New" panose="02070309020205020404" pitchFamily="49" charset="0"/>
+              </a:rPr>
+              <a:t>o.item</a:t>
+            </a:r>
+            <a:br>
+              <a:rPr lang="en-GB" sz="2000" dirty="0">
+                <a:highlight>
+                  <a:srgbClr val="00FFFF"/>
+                </a:highlight>
+                <a:latin typeface="Courier New" panose="02070309020205020404" pitchFamily="49" charset="0"/>
+                <a:cs typeface="Courier New" panose="02070309020205020404" pitchFamily="49" charset="0"/>
+              </a:rPr>
+            </a:br>
+            <a:r>
+              <a:rPr lang="en-GB" sz="2000" dirty="0">
+                <a:highlight>
+                  <a:srgbClr val="00FFFF"/>
+                </a:highlight>
+                <a:latin typeface="Courier New" panose="02070309020205020404" pitchFamily="49" charset="0"/>
+                <a:cs typeface="Courier New" panose="02070309020205020404" pitchFamily="49" charset="0"/>
+              </a:rPr>
+              <a:t>FROM customer c</a:t>
+            </a:r>
+            <a:br>
+              <a:rPr lang="en-GB" sz="2000" dirty="0">
+                <a:highlight>
+                  <a:srgbClr val="00FFFF"/>
+                </a:highlight>
+                <a:latin typeface="Courier New" panose="02070309020205020404" pitchFamily="49" charset="0"/>
+                <a:cs typeface="Courier New" panose="02070309020205020404" pitchFamily="49" charset="0"/>
+              </a:rPr>
+            </a:br>
+            <a:r>
+              <a:rPr lang="en-GB" sz="2000" dirty="0">
+                <a:highlight>
+                  <a:srgbClr val="00FFFF"/>
+                </a:highlight>
+                <a:latin typeface="Courier New" panose="02070309020205020404" pitchFamily="49" charset="0"/>
+                <a:cs typeface="Courier New" panose="02070309020205020404" pitchFamily="49" charset="0"/>
+              </a:rPr>
+              <a:t>LEFT JOIN order o</a:t>
+            </a:r>
+            <a:br>
+              <a:rPr lang="en-GB" sz="2000" dirty="0">
+                <a:highlight>
+                  <a:srgbClr val="00FFFF"/>
+                </a:highlight>
+                <a:latin typeface="Courier New" panose="02070309020205020404" pitchFamily="49" charset="0"/>
+                <a:cs typeface="Courier New" panose="02070309020205020404" pitchFamily="49" charset="0"/>
+              </a:rPr>
+            </a:br>
+            <a:r>
+              <a:rPr lang="en-GB" sz="2000" dirty="0">
+                <a:highlight>
+                  <a:srgbClr val="00FFFF"/>
+                </a:highlight>
+                <a:latin typeface="Courier New" panose="02070309020205020404" pitchFamily="49" charset="0"/>
+                <a:cs typeface="Courier New" panose="02070309020205020404" pitchFamily="49" charset="0"/>
+              </a:rPr>
+              <a:t>ON </a:t>
+            </a:r>
+            <a:r>
+              <a:rPr lang="en-GB" sz="2000" dirty="0" err="1">
+                <a:highlight>
+                  <a:srgbClr val="00FFFF"/>
+                </a:highlight>
+                <a:latin typeface="Courier New" panose="02070309020205020404" pitchFamily="49" charset="0"/>
+                <a:cs typeface="Courier New" panose="02070309020205020404" pitchFamily="49" charset="0"/>
+              </a:rPr>
+              <a:t>c.customerID</a:t>
+            </a:r>
+            <a:r>
+              <a:rPr lang="en-GB" sz="2000" dirty="0">
+                <a:highlight>
+                  <a:srgbClr val="00FFFF"/>
+                </a:highlight>
+                <a:latin typeface="Courier New" panose="02070309020205020404" pitchFamily="49" charset="0"/>
+                <a:cs typeface="Courier New" panose="02070309020205020404" pitchFamily="49" charset="0"/>
+              </a:rPr>
+              <a:t> = </a:t>
+            </a:r>
+            <a:r>
+              <a:rPr lang="en-GB" sz="2000" dirty="0" err="1">
+                <a:highlight>
+                  <a:srgbClr val="00FFFF"/>
+                </a:highlight>
+                <a:latin typeface="Courier New" panose="02070309020205020404" pitchFamily="49" charset="0"/>
+                <a:cs typeface="Courier New" panose="02070309020205020404" pitchFamily="49" charset="0"/>
+              </a:rPr>
+              <a:t>o.customerID</a:t>
+            </a:r>
+            <a:endParaRPr lang="en-GB" sz="2000" dirty="0">
+              <a:highlight>
+                <a:srgbClr val="00FFFF"/>
+              </a:highlight>
+              <a:latin typeface="Courier New" panose="02070309020205020404" pitchFamily="49" charset="0"/>
+              <a:cs typeface="Courier New" panose="02070309020205020404" pitchFamily="49" charset="0"/>
+            </a:endParaRPr>
+          </a:p>
+          <a:p>
+            <a:pPr marL="0" indent="0">
+              <a:buNone/>
+            </a:pPr>
+            <a:endParaRPr lang="en-GB" dirty="0"/>
+          </a:p>
+        </p:txBody>
+      </p:sp>
+      <p:sp>
+        <p:nvSpPr>
+          <p:cNvPr id="5" name="Title 1">
+            <a:extLst>
+              <a:ext uri="{FF2B5EF4-FFF2-40B4-BE49-F238E27FC236}">
+                <a16:creationId xmlns:a16="http://schemas.microsoft.com/office/drawing/2014/main" id="{0A74C5CA-78EC-4570-B110-BAC2175044B4}"/>
+              </a:ext>
+            </a:extLst>
+          </p:cNvPr>
+          <p:cNvSpPr>
+            <a:spLocks noGrp="1"/>
+          </p:cNvSpPr>
+          <p:nvPr>
+            <p:ph type="title"/>
+          </p:nvPr>
+        </p:nvSpPr>
+        <p:spPr>
+          <a:xfrm>
+            <a:off x="838200" y="365125"/>
+            <a:ext cx="10515600" cy="1325563"/>
+          </a:xfrm>
+        </p:spPr>
+        <p:txBody>
+          <a:bodyPr/>
+          <a:lstStyle/>
+          <a:p>
+            <a:r>
+              <a:rPr lang="en-GB" dirty="0"/>
+              <a:t>Challenges!</a:t>
+            </a:r>
+          </a:p>
+        </p:txBody>
+      </p:sp>
+    </p:spTree>
+    <p:extLst>
+      <p:ext uri="{BB962C8B-B14F-4D97-AF65-F5344CB8AC3E}">
+        <p14:creationId xmlns:p14="http://schemas.microsoft.com/office/powerpoint/2010/main" val="3450074042"/>
       </p:ext>
     </p:extLst>
   </p:cSld>
